--- a/Poster/final_poster.pptx
+++ b/Poster/final_poster.pptx
@@ -10,14 +10,14 @@
   <p:sldIdLst>
     <p:sldId id="256" r:id="rId2"/>
   </p:sldIdLst>
-  <p:sldSz cx="32918400" cy="51206400"/>
+  <p:sldSz cx="27432000" cy="36576000"/>
   <p:notesSz cx="6858000" cy="9144000"/>
   <p:defaultTextStyle>
     <a:defPPr>
       <a:defRPr lang="en-US"/>
     </a:defPPr>
-    <a:lvl1pPr marL="0" algn="l" defTabSz="2403365" rtl="0" eaLnBrk="1" latinLnBrk="0" hangingPunct="1">
-      <a:defRPr sz="9400" kern="1200">
+    <a:lvl1pPr marL="0" algn="l" defTabSz="1828480" rtl="0" eaLnBrk="1" latinLnBrk="0" hangingPunct="1">
+      <a:defRPr sz="7200" kern="1200">
         <a:solidFill>
           <a:schemeClr val="tx1"/>
         </a:solidFill>
@@ -26,8 +26,8 @@
         <a:cs typeface="+mn-cs"/>
       </a:defRPr>
     </a:lvl1pPr>
-    <a:lvl2pPr marL="2403365" algn="l" defTabSz="2403365" rtl="0" eaLnBrk="1" latinLnBrk="0" hangingPunct="1">
-      <a:defRPr sz="9400" kern="1200">
+    <a:lvl2pPr marL="1828480" algn="l" defTabSz="1828480" rtl="0" eaLnBrk="1" latinLnBrk="0" hangingPunct="1">
+      <a:defRPr sz="7200" kern="1200">
         <a:solidFill>
           <a:schemeClr val="tx1"/>
         </a:solidFill>
@@ -36,8 +36,8 @@
         <a:cs typeface="+mn-cs"/>
       </a:defRPr>
     </a:lvl2pPr>
-    <a:lvl3pPr marL="4806730" algn="l" defTabSz="2403365" rtl="0" eaLnBrk="1" latinLnBrk="0" hangingPunct="1">
-      <a:defRPr sz="9400" kern="1200">
+    <a:lvl3pPr marL="3656960" algn="l" defTabSz="1828480" rtl="0" eaLnBrk="1" latinLnBrk="0" hangingPunct="1">
+      <a:defRPr sz="7200" kern="1200">
         <a:solidFill>
           <a:schemeClr val="tx1"/>
         </a:solidFill>
@@ -46,8 +46,8 @@
         <a:cs typeface="+mn-cs"/>
       </a:defRPr>
     </a:lvl3pPr>
-    <a:lvl4pPr marL="7210094" algn="l" defTabSz="2403365" rtl="0" eaLnBrk="1" latinLnBrk="0" hangingPunct="1">
-      <a:defRPr sz="9400" kern="1200">
+    <a:lvl4pPr marL="5485440" algn="l" defTabSz="1828480" rtl="0" eaLnBrk="1" latinLnBrk="0" hangingPunct="1">
+      <a:defRPr sz="7200" kern="1200">
         <a:solidFill>
           <a:schemeClr val="tx1"/>
         </a:solidFill>
@@ -56,8 +56,8 @@
         <a:cs typeface="+mn-cs"/>
       </a:defRPr>
     </a:lvl4pPr>
-    <a:lvl5pPr marL="9613459" algn="l" defTabSz="2403365" rtl="0" eaLnBrk="1" latinLnBrk="0" hangingPunct="1">
-      <a:defRPr sz="9400" kern="1200">
+    <a:lvl5pPr marL="7313920" algn="l" defTabSz="1828480" rtl="0" eaLnBrk="1" latinLnBrk="0" hangingPunct="1">
+      <a:defRPr sz="7200" kern="1200">
         <a:solidFill>
           <a:schemeClr val="tx1"/>
         </a:solidFill>
@@ -66,8 +66,8 @@
         <a:cs typeface="+mn-cs"/>
       </a:defRPr>
     </a:lvl5pPr>
-    <a:lvl6pPr marL="12016825" algn="l" defTabSz="2403365" rtl="0" eaLnBrk="1" latinLnBrk="0" hangingPunct="1">
-      <a:defRPr sz="9400" kern="1200">
+    <a:lvl6pPr marL="9142400" algn="l" defTabSz="1828480" rtl="0" eaLnBrk="1" latinLnBrk="0" hangingPunct="1">
+      <a:defRPr sz="7200" kern="1200">
         <a:solidFill>
           <a:schemeClr val="tx1"/>
         </a:solidFill>
@@ -76,8 +76,8 @@
         <a:cs typeface="+mn-cs"/>
       </a:defRPr>
     </a:lvl6pPr>
-    <a:lvl7pPr marL="14420190" algn="l" defTabSz="2403365" rtl="0" eaLnBrk="1" latinLnBrk="0" hangingPunct="1">
-      <a:defRPr sz="9400" kern="1200">
+    <a:lvl7pPr marL="10970881" algn="l" defTabSz="1828480" rtl="0" eaLnBrk="1" latinLnBrk="0" hangingPunct="1">
+      <a:defRPr sz="7200" kern="1200">
         <a:solidFill>
           <a:schemeClr val="tx1"/>
         </a:solidFill>
@@ -86,8 +86,8 @@
         <a:cs typeface="+mn-cs"/>
       </a:defRPr>
     </a:lvl7pPr>
-    <a:lvl8pPr marL="16823555" algn="l" defTabSz="2403365" rtl="0" eaLnBrk="1" latinLnBrk="0" hangingPunct="1">
-      <a:defRPr sz="9400" kern="1200">
+    <a:lvl8pPr marL="12799361" algn="l" defTabSz="1828480" rtl="0" eaLnBrk="1" latinLnBrk="0" hangingPunct="1">
+      <a:defRPr sz="7200" kern="1200">
         <a:solidFill>
           <a:schemeClr val="tx1"/>
         </a:solidFill>
@@ -96,8 +96,8 @@
         <a:cs typeface="+mn-cs"/>
       </a:defRPr>
     </a:lvl8pPr>
-    <a:lvl9pPr marL="19226920" algn="l" defTabSz="2403365" rtl="0" eaLnBrk="1" latinLnBrk="0" hangingPunct="1">
-      <a:defRPr sz="9400" kern="1200">
+    <a:lvl9pPr marL="14627841" algn="l" defTabSz="1828480" rtl="0" eaLnBrk="1" latinLnBrk="0" hangingPunct="1">
+      <a:defRPr sz="7200" kern="1200">
         <a:solidFill>
           <a:schemeClr val="tx1"/>
         </a:solidFill>
@@ -873,7 +873,7 @@
         <a:p>
           <a:pPr algn="ctr"/>
           <a:r>
-            <a:rPr lang="en-US" sz="4000" b="1" u="sng" dirty="0" smtClean="0">
+            <a:rPr lang="en-US" sz="3600" b="1" u="sng" dirty="0" smtClean="0">
               <a:solidFill>
                 <a:srgbClr val="000000"/>
               </a:solidFill>
@@ -884,7 +884,7 @@
         <a:p>
           <a:pPr algn="just"/>
           <a:r>
-            <a:rPr lang="en-US" sz="4000" dirty="0" smtClean="0">
+            <a:rPr lang="en-US" sz="3600" dirty="0" smtClean="0">
               <a:solidFill>
                 <a:srgbClr val="000000"/>
               </a:solidFill>
@@ -892,7 +892,7 @@
             <a:t>Used </a:t>
           </a:r>
           <a:r>
-            <a:rPr lang="en-US" sz="4000" dirty="0" err="1" smtClean="0">
+            <a:rPr lang="en-US" sz="3600" dirty="0" err="1" smtClean="0">
               <a:solidFill>
                 <a:srgbClr val="000000"/>
               </a:solidFill>
@@ -900,14 +900,14 @@
             <a:t>Gensim</a:t>
           </a:r>
           <a:r>
-            <a:rPr lang="en-US" sz="4000" dirty="0" smtClean="0">
+            <a:rPr lang="en-US" sz="3600" dirty="0" smtClean="0">
               <a:solidFill>
                 <a:srgbClr val="000000"/>
               </a:solidFill>
             </a:rPr>
             <a:t> LDA Model to perform online LDA on filtered collections. This is a training process which takes number of topics to be generated as input and output for this process is Dictionary file (represents dictionary structure for words), and Corpus (saved in Market Matrix format). Implemented as Online algorithm, addition of new review will update Dictionary and Corpus based on review and save updated files.</a:t>
           </a:r>
-          <a:endParaRPr lang="en-US" sz="4000" dirty="0">
+          <a:endParaRPr lang="en-US" sz="3600" dirty="0">
             <a:solidFill>
               <a:srgbClr val="000000"/>
             </a:solidFill>
@@ -946,7 +946,7 @@
         <a:p>
           <a:pPr algn="ctr"/>
           <a:r>
-            <a:rPr lang="en-US" sz="4000" b="1" u="sng" dirty="0" smtClean="0">
+            <a:rPr lang="en-US" sz="3600" b="1" u="sng" dirty="0" smtClean="0">
               <a:solidFill>
                 <a:srgbClr val="000000"/>
               </a:solidFill>
@@ -957,7 +957,7 @@
         <a:p>
           <a:pPr algn="just"/>
           <a:r>
-            <a:rPr lang="en-US" sz="4000" dirty="0" smtClean="0">
+            <a:rPr lang="en-US" sz="3600" dirty="0" smtClean="0">
               <a:solidFill>
                 <a:srgbClr val="000000"/>
               </a:solidFill>
@@ -998,7 +998,7 @@
         <a:p>
           <a:pPr algn="ctr"/>
           <a:r>
-            <a:rPr lang="en-US" sz="4000" b="1" u="sng" dirty="0" smtClean="0">
+            <a:rPr lang="en-US" sz="3600" b="1" u="sng" dirty="0" smtClean="0">
               <a:solidFill>
                 <a:schemeClr val="tx1"/>
               </a:solidFill>
@@ -1009,7 +1009,7 @@
         <a:p>
           <a:pPr algn="just"/>
           <a:r>
-            <a:rPr lang="en-US" sz="4000" dirty="0" smtClean="0">
+            <a:rPr lang="en-US" sz="3600" dirty="0" smtClean="0">
               <a:solidFill>
                 <a:schemeClr val="tx1"/>
               </a:solidFill>
@@ -1017,7 +1017,7 @@
             <a:t>Extracted reviews from </a:t>
           </a:r>
           <a:r>
-            <a:rPr lang="en-US" sz="4000" dirty="0" err="1" smtClean="0">
+            <a:rPr lang="en-US" sz="3600" dirty="0" err="1" smtClean="0">
               <a:solidFill>
                 <a:schemeClr val="tx1"/>
               </a:solidFill>
@@ -1025,7 +1025,7 @@
             <a:t>json</a:t>
           </a:r>
           <a:r>
-            <a:rPr lang="en-US" sz="4000" dirty="0" smtClean="0">
+            <a:rPr lang="en-US" sz="3600" dirty="0" smtClean="0">
               <a:solidFill>
                 <a:schemeClr val="tx1"/>
               </a:solidFill>
@@ -1033,7 +1033,7 @@
             <a:t> and imported to </a:t>
           </a:r>
           <a:r>
-            <a:rPr lang="en-US" sz="4000" dirty="0" err="1" smtClean="0">
+            <a:rPr lang="en-US" sz="3600" dirty="0" err="1" smtClean="0">
               <a:solidFill>
                 <a:schemeClr val="tx1"/>
               </a:solidFill>
@@ -1041,7 +1041,7 @@
             <a:t>MongoDB</a:t>
           </a:r>
           <a:r>
-            <a:rPr lang="en-US" sz="4000" dirty="0" smtClean="0">
+            <a:rPr lang="en-US" sz="3600" dirty="0" smtClean="0">
               <a:solidFill>
                 <a:schemeClr val="tx1"/>
               </a:solidFill>
@@ -1049,7 +1049,7 @@
             <a:t> collection - Reviews. Split each review into sentences, remove </a:t>
           </a:r>
           <a:r>
-            <a:rPr lang="en-US" sz="4000" dirty="0" err="1" smtClean="0">
+            <a:rPr lang="en-US" sz="3600" dirty="0" err="1" smtClean="0">
               <a:solidFill>
                 <a:schemeClr val="tx1"/>
               </a:solidFill>
@@ -1057,7 +1057,7 @@
             <a:t>stopwords</a:t>
           </a:r>
           <a:r>
-            <a:rPr lang="en-US" sz="4000" dirty="0" smtClean="0">
+            <a:rPr lang="en-US" sz="3600" dirty="0" smtClean="0">
               <a:solidFill>
                 <a:schemeClr val="tx1"/>
               </a:solidFill>
@@ -1065,7 +1065,7 @@
             <a:t>, extract parts-of-speech tags for all remaining tokens, filters out all words which are not nouns, use </a:t>
           </a:r>
           <a:r>
-            <a:rPr lang="en-US" sz="4000" dirty="0" err="1" smtClean="0">
+            <a:rPr lang="en-US" sz="3600" dirty="0" err="1" smtClean="0">
               <a:solidFill>
                 <a:schemeClr val="tx1"/>
               </a:solidFill>
@@ -1073,7 +1073,7 @@
             <a:t>Lemmatizer</a:t>
           </a:r>
           <a:r>
-            <a:rPr lang="en-US" sz="4000" dirty="0" smtClean="0">
+            <a:rPr lang="en-US" sz="3600" dirty="0" smtClean="0">
               <a:solidFill>
                 <a:schemeClr val="tx1"/>
               </a:solidFill>
@@ -1081,7 +1081,7 @@
             <a:t>/Stemmer to lookup lemma of each noun. Finally, store each review i.e. </a:t>
           </a:r>
           <a:r>
-            <a:rPr lang="en-US" sz="4000" dirty="0" err="1" smtClean="0">
+            <a:rPr lang="en-US" sz="3600" dirty="0" err="1" smtClean="0">
               <a:solidFill>
                 <a:schemeClr val="tx1"/>
               </a:solidFill>
@@ -1089,7 +1089,7 @@
             <a:t>reviewId</a:t>
           </a:r>
           <a:r>
-            <a:rPr lang="en-US" sz="4000" dirty="0" smtClean="0">
+            <a:rPr lang="en-US" sz="3600" dirty="0" smtClean="0">
               <a:solidFill>
                 <a:schemeClr val="tx1"/>
               </a:solidFill>
@@ -1097,7 +1097,7 @@
             <a:t>, business name, review text together with nouns’ lemmas to new </a:t>
           </a:r>
           <a:r>
-            <a:rPr lang="en-US" sz="4000" dirty="0" err="1" smtClean="0">
+            <a:rPr lang="en-US" sz="3600" dirty="0" err="1" smtClean="0">
               <a:solidFill>
                 <a:schemeClr val="tx1"/>
               </a:solidFill>
@@ -1105,14 +1105,14 @@
             <a:t>MongoDB</a:t>
           </a:r>
           <a:r>
-            <a:rPr lang="en-US" sz="4000" dirty="0" smtClean="0">
+            <a:rPr lang="en-US" sz="3600" dirty="0" smtClean="0">
               <a:solidFill>
                 <a:schemeClr val="tx1"/>
               </a:solidFill>
             </a:rPr>
             <a:t> collection called Corpus.</a:t>
           </a:r>
-          <a:endParaRPr lang="en-US" sz="4000" dirty="0">
+          <a:endParaRPr lang="en-US" sz="3600" dirty="0">
             <a:solidFill>
               <a:schemeClr val="tx1"/>
             </a:solidFill>
@@ -1169,10 +1169,24 @@
     <dgm:pt modelId="{04DBA8BA-7E7F-A645-BACB-7D35D3C728EB}" type="pres">
       <dgm:prSet presAssocID="{D3684E03-BD7E-EE43-A702-A99641F13D69}" presName="sibTrans" presStyleLbl="sibTrans2D1" presStyleIdx="0" presStyleCnt="2"/>
       <dgm:spPr/>
+      <dgm:t>
+        <a:bodyPr/>
+        <a:lstStyle/>
+        <a:p>
+          <a:endParaRPr lang="en-US"/>
+        </a:p>
+      </dgm:t>
     </dgm:pt>
     <dgm:pt modelId="{7D837490-D6DA-1048-B797-4234EB3710FA}" type="pres">
       <dgm:prSet presAssocID="{D3684E03-BD7E-EE43-A702-A99641F13D69}" presName="connectorText" presStyleLbl="sibTrans2D1" presStyleIdx="0" presStyleCnt="2"/>
       <dgm:spPr/>
+      <dgm:t>
+        <a:bodyPr/>
+        <a:lstStyle/>
+        <a:p>
+          <a:endParaRPr lang="en-US"/>
+        </a:p>
+      </dgm:t>
     </dgm:pt>
     <dgm:pt modelId="{E358D100-D4C7-6A45-A9D9-270D250A0526}" type="pres">
       <dgm:prSet presAssocID="{2831CC11-6A36-FB43-BAC6-A1272B5B8D05}" presName="node" presStyleLbl="node1" presStyleIdx="1" presStyleCnt="3" custScaleX="223509" custScaleY="130691">
@@ -1192,10 +1206,24 @@
     <dgm:pt modelId="{7A0D58EB-124E-8249-A116-7EA0DDB9847F}" type="pres">
       <dgm:prSet presAssocID="{763EB162-5E99-7941-9AF8-7C43C49F5830}" presName="sibTrans" presStyleLbl="sibTrans2D1" presStyleIdx="1" presStyleCnt="2"/>
       <dgm:spPr/>
+      <dgm:t>
+        <a:bodyPr/>
+        <a:lstStyle/>
+        <a:p>
+          <a:endParaRPr lang="en-US"/>
+        </a:p>
+      </dgm:t>
     </dgm:pt>
     <dgm:pt modelId="{0134A99D-49FD-FB4F-A3D9-E9DC2ED3D931}" type="pres">
       <dgm:prSet presAssocID="{763EB162-5E99-7941-9AF8-7C43C49F5830}" presName="connectorText" presStyleLbl="sibTrans2D1" presStyleIdx="1" presStyleCnt="2"/>
       <dgm:spPr/>
+      <dgm:t>
+        <a:bodyPr/>
+        <a:lstStyle/>
+        <a:p>
+          <a:endParaRPr lang="en-US"/>
+        </a:p>
+      </dgm:t>
     </dgm:pt>
     <dgm:pt modelId="{EB429A24-CCB5-404A-98BF-CC301636060E}" type="pres">
       <dgm:prSet presAssocID="{866A869B-DB3D-914A-8357-8F2516D3EEAD}" presName="node" presStyleLbl="node1" presStyleIdx="2" presStyleCnt="3" custScaleX="178948" custScaleY="130691">
@@ -1214,17 +1242,17 @@
     </dgm:pt>
   </dgm:ptLst>
   <dgm:cxnLst>
+    <dgm:cxn modelId="{6F7A98E0-8028-6E4D-9B3F-847C89BACD54}" type="presOf" srcId="{866A869B-DB3D-914A-8357-8F2516D3EEAD}" destId="{EB429A24-CCB5-404A-98BF-CC301636060E}" srcOrd="0" destOrd="0" presId="urn:microsoft.com/office/officeart/2005/8/layout/process1"/>
     <dgm:cxn modelId="{B6861518-1C14-BB49-87FD-9C694BDA944A}" srcId="{FB41DED5-C7F8-A643-9A1D-CADCC534FC47}" destId="{0D272D3F-F873-3548-9E1C-326CA05C2381}" srcOrd="0" destOrd="0" parTransId="{4CF01875-0706-184A-8D70-12F6475E84C1}" sibTransId="{D3684E03-BD7E-EE43-A702-A99641F13D69}"/>
-    <dgm:cxn modelId="{6F7A98E0-8028-6E4D-9B3F-847C89BACD54}" type="presOf" srcId="{866A869B-DB3D-914A-8357-8F2516D3EEAD}" destId="{EB429A24-CCB5-404A-98BF-CC301636060E}" srcOrd="0" destOrd="0" presId="urn:microsoft.com/office/officeart/2005/8/layout/process1"/>
     <dgm:cxn modelId="{0C305F02-CEF6-5A4A-9F9F-D21843450F50}" type="presOf" srcId="{763EB162-5E99-7941-9AF8-7C43C49F5830}" destId="{7A0D58EB-124E-8249-A116-7EA0DDB9847F}" srcOrd="0" destOrd="0" presId="urn:microsoft.com/office/officeart/2005/8/layout/process1"/>
     <dgm:cxn modelId="{5DC981EF-0A1C-F04B-AA4F-5209F231467B}" type="presOf" srcId="{2831CC11-6A36-FB43-BAC6-A1272B5B8D05}" destId="{E358D100-D4C7-6A45-A9D9-270D250A0526}" srcOrd="0" destOrd="0" presId="urn:microsoft.com/office/officeart/2005/8/layout/process1"/>
     <dgm:cxn modelId="{21946859-7E6A-D04E-B200-8000AA83B054}" type="presOf" srcId="{763EB162-5E99-7941-9AF8-7C43C49F5830}" destId="{0134A99D-49FD-FB4F-A3D9-E9DC2ED3D931}" srcOrd="1" destOrd="0" presId="urn:microsoft.com/office/officeart/2005/8/layout/process1"/>
     <dgm:cxn modelId="{A04FF6DA-503A-234A-AFA2-7E1C057C49AB}" srcId="{FB41DED5-C7F8-A643-9A1D-CADCC534FC47}" destId="{866A869B-DB3D-914A-8357-8F2516D3EEAD}" srcOrd="2" destOrd="0" parTransId="{45F1947A-6656-E840-9D09-8F489F27B749}" sibTransId="{B1841ED8-33BE-A243-AD8A-38B1E07E2AE7}"/>
     <dgm:cxn modelId="{899B61D6-BF99-C248-B984-FE5DACF8A656}" type="presOf" srcId="{D3684E03-BD7E-EE43-A702-A99641F13D69}" destId="{04DBA8BA-7E7F-A645-BACB-7D35D3C728EB}" srcOrd="0" destOrd="0" presId="urn:microsoft.com/office/officeart/2005/8/layout/process1"/>
     <dgm:cxn modelId="{9BBA33BC-8D65-3D48-96B7-EC6460629092}" type="presOf" srcId="{FB41DED5-C7F8-A643-9A1D-CADCC534FC47}" destId="{0E8F569D-029A-7A4E-8757-B7E1907B8146}" srcOrd="0" destOrd="0" presId="urn:microsoft.com/office/officeart/2005/8/layout/process1"/>
+    <dgm:cxn modelId="{1EB93B56-0005-1748-89E3-A932CEDD7021}" srcId="{FB41DED5-C7F8-A643-9A1D-CADCC534FC47}" destId="{2831CC11-6A36-FB43-BAC6-A1272B5B8D05}" srcOrd="1" destOrd="0" parTransId="{A2B615DA-A1C6-5945-9DD5-D6C6D449E912}" sibTransId="{763EB162-5E99-7941-9AF8-7C43C49F5830}"/>
+    <dgm:cxn modelId="{FF6DFD33-C634-7E43-8330-04E74B07C738}" type="presOf" srcId="{0D272D3F-F873-3548-9E1C-326CA05C2381}" destId="{90236020-1DE1-C743-BA51-9DF920B2038A}" srcOrd="0" destOrd="0" presId="urn:microsoft.com/office/officeart/2005/8/layout/process1"/>
     <dgm:cxn modelId="{83E372DC-9FA3-CD42-A462-AF99CAB10F20}" type="presOf" srcId="{D3684E03-BD7E-EE43-A702-A99641F13D69}" destId="{7D837490-D6DA-1048-B797-4234EB3710FA}" srcOrd="1" destOrd="0" presId="urn:microsoft.com/office/officeart/2005/8/layout/process1"/>
-    <dgm:cxn modelId="{FF6DFD33-C634-7E43-8330-04E74B07C738}" type="presOf" srcId="{0D272D3F-F873-3548-9E1C-326CA05C2381}" destId="{90236020-1DE1-C743-BA51-9DF920B2038A}" srcOrd="0" destOrd="0" presId="urn:microsoft.com/office/officeart/2005/8/layout/process1"/>
-    <dgm:cxn modelId="{1EB93B56-0005-1748-89E3-A932CEDD7021}" srcId="{FB41DED5-C7F8-A643-9A1D-CADCC534FC47}" destId="{2831CC11-6A36-FB43-BAC6-A1272B5B8D05}" srcOrd="1" destOrd="0" parTransId="{A2B615DA-A1C6-5945-9DD5-D6C6D449E912}" sibTransId="{763EB162-5E99-7941-9AF8-7C43C49F5830}"/>
     <dgm:cxn modelId="{B6A753D0-7E92-6B4E-AE75-133DC74B5F3C}" type="presParOf" srcId="{0E8F569D-029A-7A4E-8757-B7E1907B8146}" destId="{90236020-1DE1-C743-BA51-9DF920B2038A}" srcOrd="0" destOrd="0" presId="urn:microsoft.com/office/officeart/2005/8/layout/process1"/>
     <dgm:cxn modelId="{27009F2C-13B3-1745-B0A1-4662DDE7D085}" type="presParOf" srcId="{0E8F569D-029A-7A4E-8757-B7E1907B8146}" destId="{04DBA8BA-7E7F-A645-BACB-7D35D3C728EB}" srcOrd="1" destOrd="0" presId="urn:microsoft.com/office/officeart/2005/8/layout/process1"/>
     <dgm:cxn modelId="{8F4100AB-A615-0F4E-9106-D7EECDDF1F9A}" type="presParOf" srcId="{04DBA8BA-7E7F-A645-BACB-7D35D3C728EB}" destId="{7D837490-D6DA-1048-B797-4234EB3710FA}" srcOrd="0" destOrd="0" presId="urn:microsoft.com/office/officeart/2005/8/layout/process1"/>
@@ -1258,8 +1286,8 @@
       </dsp:nvSpPr>
       <dsp:spPr>
         <a:xfrm>
-          <a:off x="37160" y="0"/>
-          <a:ext cx="9616734" cy="9004117"/>
+          <a:off x="30966" y="0"/>
+          <a:ext cx="8013945" cy="7312314"/>
         </a:xfrm>
         <a:prstGeom prst="roundRect">
           <a:avLst>
@@ -1319,12 +1347,12 @@
         </a:fontRef>
       </dsp:style>
       <dsp:txBody>
-        <a:bodyPr spcFirstLastPara="0" vert="horz" wrap="square" lIns="152400" tIns="152400" rIns="152400" bIns="152400" numCol="1" spcCol="1270" anchor="ctr" anchorCtr="0">
+        <a:bodyPr spcFirstLastPara="0" vert="horz" wrap="square" lIns="137160" tIns="137160" rIns="137160" bIns="137160" numCol="1" spcCol="1270" anchor="ctr" anchorCtr="0">
           <a:noAutofit/>
         </a:bodyPr>
         <a:lstStyle/>
         <a:p>
-          <a:pPr lvl="0" algn="ctr" defTabSz="1778000">
+          <a:pPr lvl="0" algn="ctr" defTabSz="1600200">
             <a:lnSpc>
               <a:spcPct val="90000"/>
             </a:lnSpc>
@@ -1336,7 +1364,7 @@
             </a:spcAft>
           </a:pPr>
           <a:r>
-            <a:rPr lang="en-US" sz="4000" b="1" u="sng" kern="1200" dirty="0" smtClean="0">
+            <a:rPr lang="en-US" sz="3600" b="1" u="sng" kern="1200" dirty="0" smtClean="0">
               <a:solidFill>
                 <a:schemeClr val="tx1"/>
               </a:solidFill>
@@ -1345,7 +1373,7 @@
           </a:r>
         </a:p>
         <a:p>
-          <a:pPr lvl="0" algn="just" defTabSz="1778000">
+          <a:pPr lvl="0" algn="just" defTabSz="1600200">
             <a:lnSpc>
               <a:spcPct val="90000"/>
             </a:lnSpc>
@@ -1357,7 +1385,7 @@
             </a:spcAft>
           </a:pPr>
           <a:r>
-            <a:rPr lang="en-US" sz="4000" kern="1200" dirty="0" smtClean="0">
+            <a:rPr lang="en-US" sz="3600" kern="1200" dirty="0" smtClean="0">
               <a:solidFill>
                 <a:schemeClr val="tx1"/>
               </a:solidFill>
@@ -1365,7 +1393,7 @@
             <a:t>Extracted reviews from </a:t>
           </a:r>
           <a:r>
-            <a:rPr lang="en-US" sz="4000" kern="1200" dirty="0" err="1" smtClean="0">
+            <a:rPr lang="en-US" sz="3600" kern="1200" dirty="0" err="1" smtClean="0">
               <a:solidFill>
                 <a:schemeClr val="tx1"/>
               </a:solidFill>
@@ -1373,7 +1401,7 @@
             <a:t>json</a:t>
           </a:r>
           <a:r>
-            <a:rPr lang="en-US" sz="4000" kern="1200" dirty="0" smtClean="0">
+            <a:rPr lang="en-US" sz="3600" kern="1200" dirty="0" smtClean="0">
               <a:solidFill>
                 <a:schemeClr val="tx1"/>
               </a:solidFill>
@@ -1381,7 +1409,7 @@
             <a:t> and imported to </a:t>
           </a:r>
           <a:r>
-            <a:rPr lang="en-US" sz="4000" kern="1200" dirty="0" err="1" smtClean="0">
+            <a:rPr lang="en-US" sz="3600" kern="1200" dirty="0" err="1" smtClean="0">
               <a:solidFill>
                 <a:schemeClr val="tx1"/>
               </a:solidFill>
@@ -1389,7 +1417,7 @@
             <a:t>MongoDB</a:t>
           </a:r>
           <a:r>
-            <a:rPr lang="en-US" sz="4000" kern="1200" dirty="0" smtClean="0">
+            <a:rPr lang="en-US" sz="3600" kern="1200" dirty="0" smtClean="0">
               <a:solidFill>
                 <a:schemeClr val="tx1"/>
               </a:solidFill>
@@ -1397,7 +1425,7 @@
             <a:t> collection - Reviews. Split each review into sentences, remove </a:t>
           </a:r>
           <a:r>
-            <a:rPr lang="en-US" sz="4000" kern="1200" dirty="0" err="1" smtClean="0">
+            <a:rPr lang="en-US" sz="3600" kern="1200" dirty="0" err="1" smtClean="0">
               <a:solidFill>
                 <a:schemeClr val="tx1"/>
               </a:solidFill>
@@ -1405,7 +1433,7 @@
             <a:t>stopwords</a:t>
           </a:r>
           <a:r>
-            <a:rPr lang="en-US" sz="4000" kern="1200" dirty="0" smtClean="0">
+            <a:rPr lang="en-US" sz="3600" kern="1200" dirty="0" smtClean="0">
               <a:solidFill>
                 <a:schemeClr val="tx1"/>
               </a:solidFill>
@@ -1413,7 +1441,7 @@
             <a:t>, extract parts-of-speech tags for all remaining tokens, filters out all words which are not nouns, use </a:t>
           </a:r>
           <a:r>
-            <a:rPr lang="en-US" sz="4000" kern="1200" dirty="0" err="1" smtClean="0">
+            <a:rPr lang="en-US" sz="3600" kern="1200" dirty="0" err="1" smtClean="0">
               <a:solidFill>
                 <a:schemeClr val="tx1"/>
               </a:solidFill>
@@ -1421,7 +1449,7 @@
             <a:t>Lemmatizer</a:t>
           </a:r>
           <a:r>
-            <a:rPr lang="en-US" sz="4000" kern="1200" dirty="0" smtClean="0">
+            <a:rPr lang="en-US" sz="3600" kern="1200" dirty="0" smtClean="0">
               <a:solidFill>
                 <a:schemeClr val="tx1"/>
               </a:solidFill>
@@ -1429,7 +1457,7 @@
             <a:t>/Stemmer to lookup lemma of each noun. Finally, store each review i.e. </a:t>
           </a:r>
           <a:r>
-            <a:rPr lang="en-US" sz="4000" kern="1200" dirty="0" err="1" smtClean="0">
+            <a:rPr lang="en-US" sz="3600" kern="1200" dirty="0" err="1" smtClean="0">
               <a:solidFill>
                 <a:schemeClr val="tx1"/>
               </a:solidFill>
@@ -1437,7 +1465,7 @@
             <a:t>reviewId</a:t>
           </a:r>
           <a:r>
-            <a:rPr lang="en-US" sz="4000" kern="1200" dirty="0" smtClean="0">
+            <a:rPr lang="en-US" sz="3600" kern="1200" dirty="0" smtClean="0">
               <a:solidFill>
                 <a:schemeClr val="tx1"/>
               </a:solidFill>
@@ -1445,7 +1473,7 @@
             <a:t>, business name, review text together with nouns’ lemmas to new </a:t>
           </a:r>
           <a:r>
-            <a:rPr lang="en-US" sz="4000" kern="1200" dirty="0" err="1" smtClean="0">
+            <a:rPr lang="en-US" sz="3600" kern="1200" dirty="0" err="1" smtClean="0">
               <a:solidFill>
                 <a:schemeClr val="tx1"/>
               </a:solidFill>
@@ -1453,14 +1481,14 @@
             <a:t>MongoDB</a:t>
           </a:r>
           <a:r>
-            <a:rPr lang="en-US" sz="4000" kern="1200" dirty="0" smtClean="0">
+            <a:rPr lang="en-US" sz="3600" kern="1200" dirty="0" smtClean="0">
               <a:solidFill>
                 <a:schemeClr val="tx1"/>
               </a:solidFill>
             </a:rPr>
             <a:t> collection called Corpus.</a:t>
           </a:r>
-          <a:endParaRPr lang="en-US" sz="4000" kern="1200" dirty="0">
+          <a:endParaRPr lang="en-US" sz="3600" kern="1200" dirty="0">
             <a:solidFill>
               <a:schemeClr val="tx1"/>
             </a:solidFill>
@@ -1468,8 +1496,8 @@
         </a:p>
       </dsp:txBody>
       <dsp:txXfrm>
-        <a:off x="300882" y="263722"/>
-        <a:ext cx="9089290" cy="8476673"/>
+        <a:off x="245136" y="214170"/>
+        <a:ext cx="7585605" cy="6883974"/>
       </dsp:txXfrm>
     </dsp:sp>
     <dsp:sp modelId="{04DBA8BA-7E7F-A645-BACB-7D35D3C728EB}">
@@ -1479,8 +1507,8 @@
       </dsp:nvSpPr>
       <dsp:spPr>
         <a:xfrm>
-          <a:off x="10085682" y="3966641"/>
-          <a:ext cx="915390" cy="1070833"/>
+          <a:off x="8404735" y="3209976"/>
+          <a:ext cx="762825" cy="892361"/>
         </a:xfrm>
         <a:prstGeom prst="rightArrow">
           <a:avLst>
@@ -1548,7 +1576,7 @@
         </a:bodyPr>
         <a:lstStyle/>
         <a:p>
-          <a:pPr lvl="0" algn="ctr" defTabSz="2000250">
+          <a:pPr lvl="0" algn="ctr" defTabSz="1689100">
             <a:lnSpc>
               <a:spcPct val="90000"/>
             </a:lnSpc>
@@ -1559,12 +1587,12 @@
               <a:spcPct val="35000"/>
             </a:spcAft>
           </a:pPr>
-          <a:endParaRPr lang="en-US" sz="4500" kern="1200"/>
+          <a:endParaRPr lang="en-US" sz="3800" kern="1200"/>
         </a:p>
       </dsp:txBody>
       <dsp:txXfrm>
-        <a:off x="10085682" y="4180808"/>
-        <a:ext cx="640773" cy="642499"/>
+        <a:off x="8404735" y="3388448"/>
+        <a:ext cx="533978" cy="535417"/>
       </dsp:txXfrm>
     </dsp:sp>
     <dsp:sp modelId="{E358D100-D4C7-6A45-A9D9-270D250A0526}">
@@ -1574,8 +1602,8 @@
       </dsp:nvSpPr>
       <dsp:spPr>
         <a:xfrm>
-          <a:off x="11381046" y="0"/>
-          <a:ext cx="9650846" cy="9004117"/>
+          <a:off x="9484205" y="0"/>
+          <a:ext cx="8042371" cy="7312314"/>
         </a:xfrm>
         <a:prstGeom prst="roundRect">
           <a:avLst>
@@ -1635,12 +1663,12 @@
         </a:fontRef>
       </dsp:style>
       <dsp:txBody>
-        <a:bodyPr spcFirstLastPara="0" vert="horz" wrap="square" lIns="152400" tIns="152400" rIns="152400" bIns="152400" numCol="1" spcCol="1270" anchor="ctr" anchorCtr="0">
+        <a:bodyPr spcFirstLastPara="0" vert="horz" wrap="square" lIns="137160" tIns="137160" rIns="137160" bIns="137160" numCol="1" spcCol="1270" anchor="ctr" anchorCtr="0">
           <a:noAutofit/>
         </a:bodyPr>
         <a:lstStyle/>
         <a:p>
-          <a:pPr lvl="0" algn="ctr" defTabSz="1778000">
+          <a:pPr lvl="0" algn="ctr" defTabSz="1600200">
             <a:lnSpc>
               <a:spcPct val="90000"/>
             </a:lnSpc>
@@ -1652,7 +1680,7 @@
             </a:spcAft>
           </a:pPr>
           <a:r>
-            <a:rPr lang="en-US" sz="4000" b="1" u="sng" kern="1200" dirty="0" smtClean="0">
+            <a:rPr lang="en-US" sz="3600" b="1" u="sng" kern="1200" dirty="0" smtClean="0">
               <a:solidFill>
                 <a:srgbClr val="000000"/>
               </a:solidFill>
@@ -1661,7 +1689,7 @@
           </a:r>
         </a:p>
         <a:p>
-          <a:pPr lvl="0" algn="just" defTabSz="1778000">
+          <a:pPr lvl="0" algn="just" defTabSz="1600200">
             <a:lnSpc>
               <a:spcPct val="90000"/>
             </a:lnSpc>
@@ -1673,7 +1701,7 @@
             </a:spcAft>
           </a:pPr>
           <a:r>
-            <a:rPr lang="en-US" sz="4000" kern="1200" dirty="0" smtClean="0">
+            <a:rPr lang="en-US" sz="3600" kern="1200" dirty="0" smtClean="0">
               <a:solidFill>
                 <a:srgbClr val="000000"/>
               </a:solidFill>
@@ -1681,7 +1709,7 @@
             <a:t>Used </a:t>
           </a:r>
           <a:r>
-            <a:rPr lang="en-US" sz="4000" kern="1200" dirty="0" err="1" smtClean="0">
+            <a:rPr lang="en-US" sz="3600" kern="1200" dirty="0" err="1" smtClean="0">
               <a:solidFill>
                 <a:srgbClr val="000000"/>
               </a:solidFill>
@@ -1689,14 +1717,14 @@
             <a:t>Gensim</a:t>
           </a:r>
           <a:r>
-            <a:rPr lang="en-US" sz="4000" kern="1200" dirty="0" smtClean="0">
+            <a:rPr lang="en-US" sz="3600" kern="1200" dirty="0" smtClean="0">
               <a:solidFill>
                 <a:srgbClr val="000000"/>
               </a:solidFill>
             </a:rPr>
             <a:t> LDA Model to perform online LDA on filtered collections. This is a training process which takes number of topics to be generated as input and output for this process is Dictionary file (represents dictionary structure for words), and Corpus (saved in Market Matrix format). Implemented as Online algorithm, addition of new review will update Dictionary and Corpus based on review and save updated files.</a:t>
           </a:r>
-          <a:endParaRPr lang="en-US" sz="4000" kern="1200" dirty="0">
+          <a:endParaRPr lang="en-US" sz="3600" kern="1200" dirty="0">
             <a:solidFill>
               <a:srgbClr val="000000"/>
             </a:solidFill>
@@ -1704,8 +1732,8 @@
         </a:p>
       </dsp:txBody>
       <dsp:txXfrm>
-        <a:off x="11644768" y="263722"/>
-        <a:ext cx="9123402" cy="8476673"/>
+        <a:off x="9698375" y="214170"/>
+        <a:ext cx="7614031" cy="6883974"/>
       </dsp:txXfrm>
     </dsp:sp>
     <dsp:sp modelId="{7A0D58EB-124E-8249-A116-7EA0DDB9847F}">
@@ -1715,8 +1743,8 @@
       </dsp:nvSpPr>
       <dsp:spPr>
         <a:xfrm>
-          <a:off x="21463680" y="3966641"/>
-          <a:ext cx="915390" cy="1070833"/>
+          <a:off x="17886400" y="3209976"/>
+          <a:ext cx="762825" cy="892361"/>
         </a:xfrm>
         <a:prstGeom prst="rightArrow">
           <a:avLst>
@@ -1784,7 +1812,7 @@
         </a:bodyPr>
         <a:lstStyle/>
         <a:p>
-          <a:pPr lvl="0" algn="ctr" defTabSz="2000250">
+          <a:pPr lvl="0" algn="ctr" defTabSz="1689100">
             <a:lnSpc>
               <a:spcPct val="90000"/>
             </a:lnSpc>
@@ -1795,12 +1823,12 @@
               <a:spcPct val="35000"/>
             </a:spcAft>
           </a:pPr>
-          <a:endParaRPr lang="en-US" sz="4500" kern="1200"/>
+          <a:endParaRPr lang="en-US" sz="3800" kern="1200"/>
         </a:p>
       </dsp:txBody>
       <dsp:txXfrm>
-        <a:off x="21463680" y="4180808"/>
-        <a:ext cx="640773" cy="642499"/>
+        <a:off x="17886400" y="3388448"/>
+        <a:ext cx="533978" cy="535417"/>
       </dsp:txXfrm>
     </dsp:sp>
     <dsp:sp modelId="{EB429A24-CCB5-404A-98BF-CC301636060E}">
@@ -1810,8 +1838,8 @@
       </dsp:nvSpPr>
       <dsp:spPr>
         <a:xfrm>
-          <a:off x="22759043" y="0"/>
-          <a:ext cx="7726756" cy="9004117"/>
+          <a:off x="18965869" y="0"/>
+          <a:ext cx="6438963" cy="7312314"/>
         </a:xfrm>
         <a:prstGeom prst="roundRect">
           <a:avLst>
@@ -1871,12 +1899,12 @@
         </a:fontRef>
       </dsp:style>
       <dsp:txBody>
-        <a:bodyPr spcFirstLastPara="0" vert="horz" wrap="square" lIns="152400" tIns="152400" rIns="152400" bIns="152400" numCol="1" spcCol="1270" anchor="ctr" anchorCtr="0">
+        <a:bodyPr spcFirstLastPara="0" vert="horz" wrap="square" lIns="137160" tIns="137160" rIns="137160" bIns="137160" numCol="1" spcCol="1270" anchor="ctr" anchorCtr="0">
           <a:noAutofit/>
         </a:bodyPr>
         <a:lstStyle/>
         <a:p>
-          <a:pPr lvl="0" algn="ctr" defTabSz="1778000">
+          <a:pPr lvl="0" algn="ctr" defTabSz="1600200">
             <a:lnSpc>
               <a:spcPct val="90000"/>
             </a:lnSpc>
@@ -1888,7 +1916,7 @@
             </a:spcAft>
           </a:pPr>
           <a:r>
-            <a:rPr lang="en-US" sz="4000" b="1" u="sng" kern="1200" dirty="0" smtClean="0">
+            <a:rPr lang="en-US" sz="3600" b="1" u="sng" kern="1200" dirty="0" smtClean="0">
               <a:solidFill>
                 <a:srgbClr val="000000"/>
               </a:solidFill>
@@ -1897,7 +1925,7 @@
           </a:r>
         </a:p>
         <a:p>
-          <a:pPr lvl="0" algn="just" defTabSz="1778000">
+          <a:pPr lvl="0" algn="just" defTabSz="1600200">
             <a:lnSpc>
               <a:spcPct val="90000"/>
             </a:lnSpc>
@@ -1909,7 +1937,7 @@
             </a:spcAft>
           </a:pPr>
           <a:r>
-            <a:rPr lang="en-US" sz="4000" kern="1200" dirty="0" smtClean="0">
+            <a:rPr lang="en-US" sz="3600" kern="1200" dirty="0" smtClean="0">
               <a:solidFill>
                 <a:srgbClr val="000000"/>
               </a:solidFill>
@@ -1919,8 +1947,8 @@
         </a:p>
       </dsp:txBody>
       <dsp:txXfrm>
-        <a:off x="22985352" y="226309"/>
-        <a:ext cx="7274138" cy="8551499"/>
+        <a:off x="19154460" y="188591"/>
+        <a:ext cx="6061781" cy="6935132"/>
       </dsp:txXfrm>
     </dsp:sp>
   </dsp:spTree>
@@ -3207,8 +3235,8 @@
         </p:nvSpPr>
         <p:spPr>
           <a:xfrm>
-            <a:off x="2327275" y="685800"/>
-            <a:ext cx="2203450" cy="3429000"/>
+            <a:off x="2143125" y="685800"/>
+            <a:ext cx="2571750" cy="3429000"/>
           </a:xfrm>
           <a:prstGeom prst="rect">
             <a:avLst/>
@@ -3363,8 +3391,8 @@
   </p:cSld>
   <p:clrMap bg1="lt1" tx1="dk1" bg2="lt2" tx2="dk2" accent1="accent1" accent2="accent2" accent3="accent3" accent4="accent4" accent5="accent5" accent6="accent6" hlink="hlink" folHlink="folHlink"/>
   <p:notesStyle>
-    <a:lvl1pPr marL="0" algn="l" defTabSz="539222" rtl="0" eaLnBrk="1" latinLnBrk="0" hangingPunct="1">
-      <a:defRPr sz="1400" kern="1200">
+    <a:lvl1pPr marL="0" algn="l" defTabSz="410240" rtl="0" eaLnBrk="1" latinLnBrk="0" hangingPunct="1">
+      <a:defRPr sz="1100" kern="1200">
         <a:solidFill>
           <a:schemeClr val="tx1"/>
         </a:solidFill>
@@ -3373,8 +3401,8 @@
         <a:cs typeface="+mn-cs"/>
       </a:defRPr>
     </a:lvl1pPr>
-    <a:lvl2pPr marL="539222" algn="l" defTabSz="539222" rtl="0" eaLnBrk="1" latinLnBrk="0" hangingPunct="1">
-      <a:defRPr sz="1400" kern="1200">
+    <a:lvl2pPr marL="410240" algn="l" defTabSz="410240" rtl="0" eaLnBrk="1" latinLnBrk="0" hangingPunct="1">
+      <a:defRPr sz="1100" kern="1200">
         <a:solidFill>
           <a:schemeClr val="tx1"/>
         </a:solidFill>
@@ -3383,8 +3411,8 @@
         <a:cs typeface="+mn-cs"/>
       </a:defRPr>
     </a:lvl2pPr>
-    <a:lvl3pPr marL="1078443" algn="l" defTabSz="539222" rtl="0" eaLnBrk="1" latinLnBrk="0" hangingPunct="1">
-      <a:defRPr sz="1400" kern="1200">
+    <a:lvl3pPr marL="820479" algn="l" defTabSz="410240" rtl="0" eaLnBrk="1" latinLnBrk="0" hangingPunct="1">
+      <a:defRPr sz="1100" kern="1200">
         <a:solidFill>
           <a:schemeClr val="tx1"/>
         </a:solidFill>
@@ -3393,8 +3421,8 @@
         <a:cs typeface="+mn-cs"/>
       </a:defRPr>
     </a:lvl3pPr>
-    <a:lvl4pPr marL="1617665" algn="l" defTabSz="539222" rtl="0" eaLnBrk="1" latinLnBrk="0" hangingPunct="1">
-      <a:defRPr sz="1400" kern="1200">
+    <a:lvl4pPr marL="1230720" algn="l" defTabSz="410240" rtl="0" eaLnBrk="1" latinLnBrk="0" hangingPunct="1">
+      <a:defRPr sz="1100" kern="1200">
         <a:solidFill>
           <a:schemeClr val="tx1"/>
         </a:solidFill>
@@ -3403,8 +3431,8 @@
         <a:cs typeface="+mn-cs"/>
       </a:defRPr>
     </a:lvl4pPr>
-    <a:lvl5pPr marL="2156887" algn="l" defTabSz="539222" rtl="0" eaLnBrk="1" latinLnBrk="0" hangingPunct="1">
-      <a:defRPr sz="1400" kern="1200">
+    <a:lvl5pPr marL="1640960" algn="l" defTabSz="410240" rtl="0" eaLnBrk="1" latinLnBrk="0" hangingPunct="1">
+      <a:defRPr sz="1100" kern="1200">
         <a:solidFill>
           <a:schemeClr val="tx1"/>
         </a:solidFill>
@@ -3413,8 +3441,8 @@
         <a:cs typeface="+mn-cs"/>
       </a:defRPr>
     </a:lvl5pPr>
-    <a:lvl6pPr marL="2696108" algn="l" defTabSz="539222" rtl="0" eaLnBrk="1" latinLnBrk="0" hangingPunct="1">
-      <a:defRPr sz="1400" kern="1200">
+    <a:lvl6pPr marL="2051199" algn="l" defTabSz="410240" rtl="0" eaLnBrk="1" latinLnBrk="0" hangingPunct="1">
+      <a:defRPr sz="1100" kern="1200">
         <a:solidFill>
           <a:schemeClr val="tx1"/>
         </a:solidFill>
@@ -3423,8 +3451,8 @@
         <a:cs typeface="+mn-cs"/>
       </a:defRPr>
     </a:lvl6pPr>
-    <a:lvl7pPr marL="3235330" algn="l" defTabSz="539222" rtl="0" eaLnBrk="1" latinLnBrk="0" hangingPunct="1">
-      <a:defRPr sz="1400" kern="1200">
+    <a:lvl7pPr marL="2461439" algn="l" defTabSz="410240" rtl="0" eaLnBrk="1" latinLnBrk="0" hangingPunct="1">
+      <a:defRPr sz="1100" kern="1200">
         <a:solidFill>
           <a:schemeClr val="tx1"/>
         </a:solidFill>
@@ -3433,8 +3461,8 @@
         <a:cs typeface="+mn-cs"/>
       </a:defRPr>
     </a:lvl7pPr>
-    <a:lvl8pPr marL="3774552" algn="l" defTabSz="539222" rtl="0" eaLnBrk="1" latinLnBrk="0" hangingPunct="1">
-      <a:defRPr sz="1400" kern="1200">
+    <a:lvl8pPr marL="2871679" algn="l" defTabSz="410240" rtl="0" eaLnBrk="1" latinLnBrk="0" hangingPunct="1">
+      <a:defRPr sz="1100" kern="1200">
         <a:solidFill>
           <a:schemeClr val="tx1"/>
         </a:solidFill>
@@ -3443,8 +3471,8 @@
         <a:cs typeface="+mn-cs"/>
       </a:defRPr>
     </a:lvl8pPr>
-    <a:lvl9pPr marL="4313773" algn="l" defTabSz="539222" rtl="0" eaLnBrk="1" latinLnBrk="0" hangingPunct="1">
-      <a:defRPr sz="1400" kern="1200">
+    <a:lvl9pPr marL="3281918" algn="l" defTabSz="410240" rtl="0" eaLnBrk="1" latinLnBrk="0" hangingPunct="1">
+      <a:defRPr sz="1100" kern="1200">
         <a:solidFill>
           <a:schemeClr val="tx1"/>
         </a:solidFill>
@@ -3522,12 +3550,12 @@
   </p:sldLayoutIdLst>
   <p:txStyles>
     <p:titleStyle>
-      <a:lvl1pPr algn="ctr" defTabSz="2403365" rtl="0" eaLnBrk="1" latinLnBrk="0" hangingPunct="1">
+      <a:lvl1pPr algn="ctr" defTabSz="1828480" rtl="0" eaLnBrk="1" latinLnBrk="0" hangingPunct="1">
         <a:spcBef>
           <a:spcPct val="0"/>
         </a:spcBef>
         <a:buNone/>
-        <a:defRPr sz="23100" kern="1200">
+        <a:defRPr sz="17600" kern="1200">
           <a:solidFill>
             <a:schemeClr val="tx1"/>
           </a:solidFill>
@@ -3538,13 +3566,13 @@
       </a:lvl1pPr>
     </p:titleStyle>
     <p:bodyStyle>
-      <a:lvl1pPr marL="1802524" indent="-1802524" algn="l" defTabSz="2403365" rtl="0" eaLnBrk="1" latinLnBrk="0" hangingPunct="1">
+      <a:lvl1pPr marL="1371360" indent="-1371360" algn="l" defTabSz="1828480" rtl="0" eaLnBrk="1" latinLnBrk="0" hangingPunct="1">
         <a:spcBef>
           <a:spcPct val="20000"/>
         </a:spcBef>
         <a:buFont typeface="Arial"/>
         <a:buChar char="•"/>
-        <a:defRPr sz="16900" kern="1200">
+        <a:defRPr sz="12900" kern="1200">
           <a:solidFill>
             <a:schemeClr val="tx1"/>
           </a:solidFill>
@@ -3553,13 +3581,13 @@
           <a:cs typeface="+mn-cs"/>
         </a:defRPr>
       </a:lvl1pPr>
-      <a:lvl2pPr marL="3905468" indent="-1502103" algn="l" defTabSz="2403365" rtl="0" eaLnBrk="1" latinLnBrk="0" hangingPunct="1">
+      <a:lvl2pPr marL="2971280" indent="-1142800" algn="l" defTabSz="1828480" rtl="0" eaLnBrk="1" latinLnBrk="0" hangingPunct="1">
         <a:spcBef>
           <a:spcPct val="20000"/>
         </a:spcBef>
         <a:buFont typeface="Arial"/>
         <a:buChar char="–"/>
-        <a:defRPr sz="14700" kern="1200">
+        <a:defRPr sz="11200" kern="1200">
           <a:solidFill>
             <a:schemeClr val="tx1"/>
           </a:solidFill>
@@ -3568,13 +3596,13 @@
           <a:cs typeface="+mn-cs"/>
         </a:defRPr>
       </a:lvl2pPr>
-      <a:lvl3pPr marL="6008412" indent="-1201682" algn="l" defTabSz="2403365" rtl="0" eaLnBrk="1" latinLnBrk="0" hangingPunct="1">
+      <a:lvl3pPr marL="4571200" indent="-914240" algn="l" defTabSz="1828480" rtl="0" eaLnBrk="1" latinLnBrk="0" hangingPunct="1">
         <a:spcBef>
           <a:spcPct val="20000"/>
         </a:spcBef>
         <a:buFont typeface="Arial"/>
         <a:buChar char="•"/>
-        <a:defRPr sz="12600" kern="1200">
+        <a:defRPr sz="9600" kern="1200">
           <a:solidFill>
             <a:schemeClr val="tx1"/>
           </a:solidFill>
@@ -3583,13 +3611,13 @@
           <a:cs typeface="+mn-cs"/>
         </a:defRPr>
       </a:lvl3pPr>
-      <a:lvl4pPr marL="8411777" indent="-1201682" algn="l" defTabSz="2403365" rtl="0" eaLnBrk="1" latinLnBrk="0" hangingPunct="1">
+      <a:lvl4pPr marL="6399680" indent="-914240" algn="l" defTabSz="1828480" rtl="0" eaLnBrk="1" latinLnBrk="0" hangingPunct="1">
         <a:spcBef>
           <a:spcPct val="20000"/>
         </a:spcBef>
         <a:buFont typeface="Arial"/>
         <a:buChar char="–"/>
-        <a:defRPr sz="10500" kern="1200">
+        <a:defRPr sz="8000" kern="1200">
           <a:solidFill>
             <a:schemeClr val="tx1"/>
           </a:solidFill>
@@ -3598,13 +3626,13 @@
           <a:cs typeface="+mn-cs"/>
         </a:defRPr>
       </a:lvl4pPr>
-      <a:lvl5pPr marL="10815143" indent="-1201682" algn="l" defTabSz="2403365" rtl="0" eaLnBrk="1" latinLnBrk="0" hangingPunct="1">
+      <a:lvl5pPr marL="8228161" indent="-914240" algn="l" defTabSz="1828480" rtl="0" eaLnBrk="1" latinLnBrk="0" hangingPunct="1">
         <a:spcBef>
           <a:spcPct val="20000"/>
         </a:spcBef>
         <a:buFont typeface="Arial"/>
         <a:buChar char="»"/>
-        <a:defRPr sz="10500" kern="1200">
+        <a:defRPr sz="8000" kern="1200">
           <a:solidFill>
             <a:schemeClr val="tx1"/>
           </a:solidFill>
@@ -3613,13 +3641,13 @@
           <a:cs typeface="+mn-cs"/>
         </a:defRPr>
       </a:lvl5pPr>
-      <a:lvl6pPr marL="13218508" indent="-1201682" algn="l" defTabSz="2403365" rtl="0" eaLnBrk="1" latinLnBrk="0" hangingPunct="1">
+      <a:lvl6pPr marL="10056641" indent="-914240" algn="l" defTabSz="1828480" rtl="0" eaLnBrk="1" latinLnBrk="0" hangingPunct="1">
         <a:spcBef>
           <a:spcPct val="20000"/>
         </a:spcBef>
         <a:buFont typeface="Arial"/>
         <a:buChar char="•"/>
-        <a:defRPr sz="10500" kern="1200">
+        <a:defRPr sz="8000" kern="1200">
           <a:solidFill>
             <a:schemeClr val="tx1"/>
           </a:solidFill>
@@ -3628,13 +3656,13 @@
           <a:cs typeface="+mn-cs"/>
         </a:defRPr>
       </a:lvl6pPr>
-      <a:lvl7pPr marL="15621872" indent="-1201682" algn="l" defTabSz="2403365" rtl="0" eaLnBrk="1" latinLnBrk="0" hangingPunct="1">
+      <a:lvl7pPr marL="11885120" indent="-914240" algn="l" defTabSz="1828480" rtl="0" eaLnBrk="1" latinLnBrk="0" hangingPunct="1">
         <a:spcBef>
           <a:spcPct val="20000"/>
         </a:spcBef>
         <a:buFont typeface="Arial"/>
         <a:buChar char="•"/>
-        <a:defRPr sz="10500" kern="1200">
+        <a:defRPr sz="8000" kern="1200">
           <a:solidFill>
             <a:schemeClr val="tx1"/>
           </a:solidFill>
@@ -3643,13 +3671,13 @@
           <a:cs typeface="+mn-cs"/>
         </a:defRPr>
       </a:lvl7pPr>
-      <a:lvl8pPr marL="18025237" indent="-1201682" algn="l" defTabSz="2403365" rtl="0" eaLnBrk="1" latinLnBrk="0" hangingPunct="1">
+      <a:lvl8pPr marL="13713600" indent="-914240" algn="l" defTabSz="1828480" rtl="0" eaLnBrk="1" latinLnBrk="0" hangingPunct="1">
         <a:spcBef>
           <a:spcPct val="20000"/>
         </a:spcBef>
         <a:buFont typeface="Arial"/>
         <a:buChar char="•"/>
-        <a:defRPr sz="10500" kern="1200">
+        <a:defRPr sz="8000" kern="1200">
           <a:solidFill>
             <a:schemeClr val="tx1"/>
           </a:solidFill>
@@ -3658,13 +3686,13 @@
           <a:cs typeface="+mn-cs"/>
         </a:defRPr>
       </a:lvl8pPr>
-      <a:lvl9pPr marL="20428602" indent="-1201682" algn="l" defTabSz="2403365" rtl="0" eaLnBrk="1" latinLnBrk="0" hangingPunct="1">
+      <a:lvl9pPr marL="15542080" indent="-914240" algn="l" defTabSz="1828480" rtl="0" eaLnBrk="1" latinLnBrk="0" hangingPunct="1">
         <a:spcBef>
           <a:spcPct val="20000"/>
         </a:spcBef>
         <a:buFont typeface="Arial"/>
         <a:buChar char="•"/>
-        <a:defRPr sz="10500" kern="1200">
+        <a:defRPr sz="8000" kern="1200">
           <a:solidFill>
             <a:schemeClr val="tx1"/>
           </a:solidFill>
@@ -3678,8 +3706,8 @@
       <a:defPPr>
         <a:defRPr lang="en-US"/>
       </a:defPPr>
-      <a:lvl1pPr marL="0" algn="l" defTabSz="2403365" rtl="0" eaLnBrk="1" latinLnBrk="0" hangingPunct="1">
-        <a:defRPr sz="9400" kern="1200">
+      <a:lvl1pPr marL="0" algn="l" defTabSz="1828480" rtl="0" eaLnBrk="1" latinLnBrk="0" hangingPunct="1">
+        <a:defRPr sz="7200" kern="1200">
           <a:solidFill>
             <a:schemeClr val="tx1"/>
           </a:solidFill>
@@ -3688,8 +3716,8 @@
           <a:cs typeface="+mn-cs"/>
         </a:defRPr>
       </a:lvl1pPr>
-      <a:lvl2pPr marL="2403365" algn="l" defTabSz="2403365" rtl="0" eaLnBrk="1" latinLnBrk="0" hangingPunct="1">
-        <a:defRPr sz="9400" kern="1200">
+      <a:lvl2pPr marL="1828480" algn="l" defTabSz="1828480" rtl="0" eaLnBrk="1" latinLnBrk="0" hangingPunct="1">
+        <a:defRPr sz="7200" kern="1200">
           <a:solidFill>
             <a:schemeClr val="tx1"/>
           </a:solidFill>
@@ -3698,8 +3726,8 @@
           <a:cs typeface="+mn-cs"/>
         </a:defRPr>
       </a:lvl2pPr>
-      <a:lvl3pPr marL="4806730" algn="l" defTabSz="2403365" rtl="0" eaLnBrk="1" latinLnBrk="0" hangingPunct="1">
-        <a:defRPr sz="9400" kern="1200">
+      <a:lvl3pPr marL="3656960" algn="l" defTabSz="1828480" rtl="0" eaLnBrk="1" latinLnBrk="0" hangingPunct="1">
+        <a:defRPr sz="7200" kern="1200">
           <a:solidFill>
             <a:schemeClr val="tx1"/>
           </a:solidFill>
@@ -3708,8 +3736,8 @@
           <a:cs typeface="+mn-cs"/>
         </a:defRPr>
       </a:lvl3pPr>
-      <a:lvl4pPr marL="7210094" algn="l" defTabSz="2403365" rtl="0" eaLnBrk="1" latinLnBrk="0" hangingPunct="1">
-        <a:defRPr sz="9400" kern="1200">
+      <a:lvl4pPr marL="5485440" algn="l" defTabSz="1828480" rtl="0" eaLnBrk="1" latinLnBrk="0" hangingPunct="1">
+        <a:defRPr sz="7200" kern="1200">
           <a:solidFill>
             <a:schemeClr val="tx1"/>
           </a:solidFill>
@@ -3718,8 +3746,8 @@
           <a:cs typeface="+mn-cs"/>
         </a:defRPr>
       </a:lvl4pPr>
-      <a:lvl5pPr marL="9613459" algn="l" defTabSz="2403365" rtl="0" eaLnBrk="1" latinLnBrk="0" hangingPunct="1">
-        <a:defRPr sz="9400" kern="1200">
+      <a:lvl5pPr marL="7313920" algn="l" defTabSz="1828480" rtl="0" eaLnBrk="1" latinLnBrk="0" hangingPunct="1">
+        <a:defRPr sz="7200" kern="1200">
           <a:solidFill>
             <a:schemeClr val="tx1"/>
           </a:solidFill>
@@ -3728,8 +3756,8 @@
           <a:cs typeface="+mn-cs"/>
         </a:defRPr>
       </a:lvl5pPr>
-      <a:lvl6pPr marL="12016825" algn="l" defTabSz="2403365" rtl="0" eaLnBrk="1" latinLnBrk="0" hangingPunct="1">
-        <a:defRPr sz="9400" kern="1200">
+      <a:lvl6pPr marL="9142400" algn="l" defTabSz="1828480" rtl="0" eaLnBrk="1" latinLnBrk="0" hangingPunct="1">
+        <a:defRPr sz="7200" kern="1200">
           <a:solidFill>
             <a:schemeClr val="tx1"/>
           </a:solidFill>
@@ -3738,8 +3766,8 @@
           <a:cs typeface="+mn-cs"/>
         </a:defRPr>
       </a:lvl6pPr>
-      <a:lvl7pPr marL="14420190" algn="l" defTabSz="2403365" rtl="0" eaLnBrk="1" latinLnBrk="0" hangingPunct="1">
-        <a:defRPr sz="9400" kern="1200">
+      <a:lvl7pPr marL="10970881" algn="l" defTabSz="1828480" rtl="0" eaLnBrk="1" latinLnBrk="0" hangingPunct="1">
+        <a:defRPr sz="7200" kern="1200">
           <a:solidFill>
             <a:schemeClr val="tx1"/>
           </a:solidFill>
@@ -3748,8 +3776,8 @@
           <a:cs typeface="+mn-cs"/>
         </a:defRPr>
       </a:lvl7pPr>
-      <a:lvl8pPr marL="16823555" algn="l" defTabSz="2403365" rtl="0" eaLnBrk="1" latinLnBrk="0" hangingPunct="1">
-        <a:defRPr sz="9400" kern="1200">
+      <a:lvl8pPr marL="12799361" algn="l" defTabSz="1828480" rtl="0" eaLnBrk="1" latinLnBrk="0" hangingPunct="1">
+        <a:defRPr sz="7200" kern="1200">
           <a:solidFill>
             <a:schemeClr val="tx1"/>
           </a:solidFill>
@@ -3758,8 +3786,8 @@
           <a:cs typeface="+mn-cs"/>
         </a:defRPr>
       </a:lvl8pPr>
-      <a:lvl9pPr marL="19226920" algn="l" defTabSz="2403365" rtl="0" eaLnBrk="1" latinLnBrk="0" hangingPunct="1">
-        <a:defRPr sz="9400" kern="1200">
+      <a:lvl9pPr marL="14627841" algn="l" defTabSz="1828480" rtl="0" eaLnBrk="1" latinLnBrk="0" hangingPunct="1">
+        <a:defRPr sz="7200" kern="1200">
           <a:solidFill>
             <a:schemeClr val="tx1"/>
           </a:solidFill>
@@ -3798,8 +3826,8 @@
         </p:nvSpPr>
         <p:spPr>
           <a:xfrm>
-            <a:off x="924656" y="1292698"/>
-            <a:ext cx="23143006" cy="4372232"/>
+            <a:off x="770547" y="923356"/>
+            <a:ext cx="19285838" cy="3123023"/>
           </a:xfrm>
           <a:prstGeom prst="rect">
             <a:avLst/>
@@ -3833,7 +3861,7 @@
           </a:fontRef>
         </p:style>
         <p:txBody>
-          <a:bodyPr lIns="107845" tIns="53923" rIns="107845" bIns="53923" rtlCol="0" anchor="ctr"/>
+          <a:bodyPr lIns="82048" tIns="41025" rIns="82048" bIns="41025" rtlCol="0" anchor="ctr"/>
           <a:lstStyle/>
           <a:p>
             <a:pPr algn="ctr"/>
@@ -3849,8 +3877,8 @@
         </p:nvSpPr>
         <p:spPr>
           <a:xfrm>
-            <a:off x="955005" y="6259380"/>
-            <a:ext cx="10220995" cy="32766016"/>
+            <a:off x="795838" y="4470986"/>
+            <a:ext cx="8517496" cy="22672207"/>
           </a:xfrm>
           <a:prstGeom prst="rect">
             <a:avLst/>
@@ -3884,7 +3912,7 @@
           </a:fontRef>
         </p:style>
         <p:txBody>
-          <a:bodyPr lIns="107845" tIns="53923" rIns="107845" bIns="53923" rtlCol="0" anchor="ctr"/>
+          <a:bodyPr lIns="82048" tIns="41025" rIns="82048" bIns="41025" rtlCol="0" anchor="ctr"/>
           <a:lstStyle/>
           <a:p>
             <a:pPr algn="ctr"/>
@@ -3900,8 +3928,8 @@
         </p:nvSpPr>
         <p:spPr>
           <a:xfrm>
-            <a:off x="24434800" y="1292698"/>
-            <a:ext cx="7405629" cy="4372232"/>
+            <a:off x="20362334" y="923356"/>
+            <a:ext cx="6171358" cy="3123023"/>
           </a:xfrm>
           <a:prstGeom prst="rect">
             <a:avLst/>
@@ -3935,7 +3963,7 @@
           </a:fontRef>
         </p:style>
         <p:txBody>
-          <a:bodyPr lIns="75612" tIns="37806" rIns="75612" bIns="37806" rtlCol="0" anchor="ctr"/>
+          <a:bodyPr lIns="57526" tIns="28763" rIns="57526" bIns="28763" rtlCol="0" anchor="ctr"/>
           <a:lstStyle/>
           <a:p>
             <a:pPr algn="ctr"/>
@@ -3951,8 +3979,8 @@
         </p:nvSpPr>
         <p:spPr>
           <a:xfrm>
-            <a:off x="1380566" y="1737212"/>
-            <a:ext cx="22287201" cy="3892780"/>
+            <a:off x="1150472" y="1240866"/>
+            <a:ext cx="18572668" cy="2800633"/>
           </a:xfrm>
           <a:prstGeom prst="rect">
             <a:avLst/>
@@ -3960,33 +3988,33 @@
           <a:noFill/>
         </p:spPr>
         <p:txBody>
-          <a:bodyPr wrap="square" lIns="75612" tIns="37806" rIns="75612" bIns="37806" rtlCol="0">
+          <a:bodyPr wrap="square" lIns="57526" tIns="28763" rIns="57526" bIns="28763" rtlCol="0">
             <a:spAutoFit/>
           </a:bodyPr>
           <a:lstStyle/>
           <a:p>
             <a:r>
-              <a:rPr lang="en-US" sz="9600" b="1" u="sng" dirty="0" err="1" smtClean="0">
+              <a:rPr lang="en-US" sz="7300" b="1" u="sng" dirty="0" err="1">
                 <a:latin typeface="Calibri"/>
                 <a:cs typeface="Calibri"/>
               </a:rPr>
               <a:t>Yelpolo</a:t>
             </a:r>
             <a:r>
-              <a:rPr lang="en-US" sz="9600" b="1" u="sng" dirty="0" smtClean="0">
+              <a:rPr lang="en-US" sz="7300" b="1" u="sng" dirty="0">
                 <a:latin typeface="Calibri"/>
                 <a:cs typeface="Calibri"/>
               </a:rPr>
               <a:t> </a:t>
             </a:r>
             <a:r>
-              <a:rPr lang="en-US" sz="6000" dirty="0">
+              <a:rPr lang="en-US" sz="4600" dirty="0">
                 <a:cs typeface="Calibri"/>
               </a:rPr>
               <a:t>(</a:t>
             </a:r>
             <a:r>
-              <a:rPr lang="en-US" sz="6000" dirty="0">
+              <a:rPr lang="en-US" sz="4600" dirty="0">
                 <a:solidFill>
                   <a:srgbClr val="3366FF"/>
                 </a:solidFill>
@@ -3995,7 +4023,7 @@
               <a:t>http://a.ashwinikhare.in:8030/</a:t>
             </a:r>
             <a:r>
-              <a:rPr lang="en-US" sz="6000" dirty="0" err="1">
+              <a:rPr lang="en-US" sz="4600" dirty="0" err="1">
                 <a:solidFill>
                   <a:srgbClr val="3366FF"/>
                 </a:solidFill>
@@ -4004,12 +4032,12 @@
               <a:t>yelpolo</a:t>
             </a:r>
             <a:r>
-              <a:rPr lang="en-US" sz="6000" dirty="0">
+              <a:rPr lang="en-US" sz="4600" dirty="0">
                 <a:cs typeface="Calibri"/>
               </a:rPr>
               <a:t>)</a:t>
             </a:r>
-            <a:endParaRPr lang="en-US" sz="6000" b="1" u="sng" dirty="0" smtClean="0">
+            <a:endParaRPr lang="en-US" sz="4600" b="1" u="sng" dirty="0">
               <a:latin typeface="Calibri"/>
               <a:cs typeface="Calibri"/>
             </a:endParaRPr>
@@ -4017,99 +4045,99 @@
           <a:p>
             <a:pPr>
               <a:spcBef>
-                <a:spcPts val="2400"/>
+                <a:spcPts val="1826"/>
               </a:spcBef>
             </a:pPr>
-            <a:endParaRPr lang="en-US" sz="3600" baseline="30000" dirty="0" smtClean="0">
+            <a:endParaRPr lang="en-US" sz="2700" baseline="30000" dirty="0">
               <a:latin typeface="Calibri"/>
               <a:cs typeface="Calibri"/>
             </a:endParaRPr>
           </a:p>
           <a:p>
             <a:r>
-              <a:rPr lang="en-US" sz="5400" dirty="0">
+              <a:rPr lang="en-US" sz="3600" dirty="0">
                 <a:latin typeface="Calibri" pitchFamily="34" charset="0"/>
                 <a:cs typeface="Calibri" pitchFamily="34" charset="0"/>
               </a:rPr>
               <a:t>Revant Kumar, </a:t>
             </a:r>
             <a:r>
-              <a:rPr lang="en-US" sz="5400" dirty="0" err="1">
+              <a:rPr lang="en-US" sz="3600" dirty="0" err="1">
                 <a:latin typeface="Calibri" pitchFamily="34" charset="0"/>
                 <a:cs typeface="Calibri" pitchFamily="34" charset="0"/>
               </a:rPr>
               <a:t>Parminder</a:t>
             </a:r>
             <a:r>
-              <a:rPr lang="en-US" sz="5400" dirty="0">
+              <a:rPr lang="en-US" sz="3600" dirty="0">
                 <a:latin typeface="Calibri" pitchFamily="34" charset="0"/>
                 <a:cs typeface="Calibri" pitchFamily="34" charset="0"/>
               </a:rPr>
               <a:t> Bhatia, </a:t>
             </a:r>
             <a:r>
-              <a:rPr lang="en-US" sz="5400" dirty="0" err="1">
+              <a:rPr lang="en-US" sz="3600" dirty="0" err="1">
                 <a:latin typeface="Calibri" pitchFamily="34" charset="0"/>
                 <a:cs typeface="Calibri" pitchFamily="34" charset="0"/>
               </a:rPr>
               <a:t>Ashwini</a:t>
             </a:r>
             <a:r>
-              <a:rPr lang="en-US" sz="5400" dirty="0">
+              <a:rPr lang="en-US" sz="3600" dirty="0">
                 <a:latin typeface="Calibri" pitchFamily="34" charset="0"/>
                 <a:cs typeface="Calibri" pitchFamily="34" charset="0"/>
               </a:rPr>
               <a:t> </a:t>
             </a:r>
             <a:r>
-              <a:rPr lang="en-US" sz="5400" dirty="0" err="1">
+              <a:rPr lang="en-US" sz="3600" dirty="0" err="1">
                 <a:latin typeface="Calibri" pitchFamily="34" charset="0"/>
                 <a:cs typeface="Calibri" pitchFamily="34" charset="0"/>
               </a:rPr>
               <a:t>Khare</a:t>
             </a:r>
             <a:r>
-              <a:rPr lang="en-US" sz="5400" dirty="0">
+              <a:rPr lang="en-US" sz="3600" dirty="0">
                 <a:latin typeface="Calibri" pitchFamily="34" charset="0"/>
                 <a:cs typeface="Calibri" pitchFamily="34" charset="0"/>
               </a:rPr>
               <a:t>, </a:t>
             </a:r>
             <a:r>
-              <a:rPr lang="en-US" sz="5400" dirty="0" err="1">
+              <a:rPr lang="en-US" sz="3600" dirty="0" err="1">
                 <a:latin typeface="Calibri" pitchFamily="34" charset="0"/>
                 <a:cs typeface="Calibri" pitchFamily="34" charset="0"/>
               </a:rPr>
               <a:t>Gopi</a:t>
             </a:r>
             <a:r>
-              <a:rPr lang="en-US" sz="5400" dirty="0">
+              <a:rPr lang="en-US" sz="3600" dirty="0">
                 <a:latin typeface="Calibri" pitchFamily="34" charset="0"/>
                 <a:cs typeface="Calibri" pitchFamily="34" charset="0"/>
               </a:rPr>
               <a:t> Krishnan </a:t>
             </a:r>
             <a:r>
-              <a:rPr lang="en-US" sz="5400" dirty="0" err="1" smtClean="0">
+              <a:rPr lang="en-US" sz="3600" dirty="0" err="1">
                 <a:latin typeface="Calibri" pitchFamily="34" charset="0"/>
                 <a:cs typeface="Calibri" pitchFamily="34" charset="0"/>
               </a:rPr>
               <a:t>Nambiar</a:t>
             </a:r>
-            <a:endParaRPr lang="en-US" sz="5400" dirty="0" smtClean="0">
+            <a:endParaRPr lang="en-US" sz="3600" dirty="0">
               <a:latin typeface="Calibri" pitchFamily="34" charset="0"/>
               <a:cs typeface="Calibri" pitchFamily="34" charset="0"/>
             </a:endParaRPr>
           </a:p>
           <a:p>
             <a:r>
-              <a:rPr lang="en-US" sz="5400" dirty="0" smtClean="0">
+              <a:rPr lang="en-US" sz="3600" dirty="0">
                 <a:latin typeface="Calibri" pitchFamily="34" charset="0"/>
                 <a:cs typeface="Calibri" pitchFamily="34" charset="0"/>
               </a:rPr>
               <a:t>College of Computing, Georgia Institute of Technology</a:t>
             </a:r>
-            <a:endParaRPr lang="en-US" sz="5400" dirty="0">
+            <a:endParaRPr lang="en-US" sz="3600" dirty="0">
               <a:latin typeface="Calibri" pitchFamily="34" charset="0"/>
               <a:cs typeface="Calibri" pitchFamily="34" charset="0"/>
             </a:endParaRPr>
@@ -4124,8 +4152,8 @@
         </p:nvSpPr>
         <p:spPr>
           <a:xfrm>
-            <a:off x="955005" y="6213214"/>
-            <a:ext cx="10220995" cy="1298797"/>
+            <a:off x="795838" y="4409441"/>
+            <a:ext cx="8517496" cy="984851"/>
           </a:xfrm>
           <a:prstGeom prst="rect">
             <a:avLst/>
@@ -4135,26 +4163,24 @@
           </a:solidFill>
         </p:spPr>
         <p:txBody>
-          <a:bodyPr wrap="square" lIns="107845" tIns="140198" rIns="107845" bIns="140198" rtlCol="0" anchor="ctr" anchorCtr="0">
+          <a:bodyPr wrap="square" lIns="82048" tIns="106663" rIns="82048" bIns="106663" rtlCol="0" anchor="ctr" anchorCtr="0">
             <a:spAutoFit/>
           </a:bodyPr>
           <a:lstStyle/>
           <a:p>
             <a:pPr algn="ctr"/>
             <a:r>
-              <a:rPr lang="en-US" sz="6600" dirty="0" smtClean="0">
+              <a:rPr lang="en-US" sz="5000" dirty="0">
                 <a:solidFill>
                   <a:schemeClr val="bg1"/>
                 </a:solidFill>
-                <a:effectLst/>
               </a:rPr>
               <a:t>Motivation</a:t>
             </a:r>
-            <a:endParaRPr lang="en-US" sz="6600" dirty="0">
+            <a:endParaRPr lang="en-US" sz="5000" dirty="0">
               <a:solidFill>
                 <a:schemeClr val="bg1"/>
               </a:solidFill>
-              <a:effectLst/>
             </a:endParaRPr>
           </a:p>
         </p:txBody>
@@ -4167,8 +4193,8 @@
         </p:nvSpPr>
         <p:spPr>
           <a:xfrm>
-            <a:off x="12242800" y="6213214"/>
-            <a:ext cx="19641565" cy="1298797"/>
+            <a:off x="10202334" y="4409441"/>
+            <a:ext cx="16367971" cy="984851"/>
           </a:xfrm>
           <a:prstGeom prst="rect">
             <a:avLst/>
@@ -4178,26 +4204,24 @@
           </a:solidFill>
         </p:spPr>
         <p:txBody>
-          <a:bodyPr wrap="square" lIns="107845" tIns="140198" rIns="107845" bIns="140198" rtlCol="0" anchor="ctr" anchorCtr="0">
+          <a:bodyPr wrap="square" lIns="82048" tIns="106663" rIns="82048" bIns="106663" rtlCol="0" anchor="ctr" anchorCtr="0">
             <a:spAutoFit/>
           </a:bodyPr>
           <a:lstStyle/>
           <a:p>
             <a:pPr algn="ctr"/>
             <a:r>
-              <a:rPr lang="en-US" sz="6600" dirty="0" smtClean="0">
+              <a:rPr lang="en-US" sz="5000" dirty="0">
                 <a:solidFill>
                   <a:schemeClr val="bg1"/>
                 </a:solidFill>
-                <a:effectLst/>
               </a:rPr>
               <a:t>Results</a:t>
             </a:r>
-            <a:endParaRPr lang="en-US" sz="6600" dirty="0">
+            <a:endParaRPr lang="en-US" sz="5000" dirty="0">
               <a:solidFill>
                 <a:schemeClr val="bg1"/>
               </a:solidFill>
-              <a:effectLst/>
             </a:endParaRPr>
           </a:p>
         </p:txBody>
@@ -4210,8 +4234,8 @@
         </p:nvSpPr>
         <p:spPr>
           <a:xfrm>
-            <a:off x="924656" y="21869032"/>
-            <a:ext cx="10220995" cy="1298797"/>
+            <a:off x="770547" y="14731322"/>
+            <a:ext cx="8517496" cy="984851"/>
           </a:xfrm>
           <a:prstGeom prst="rect">
             <a:avLst/>
@@ -4221,26 +4245,24 @@
           </a:solidFill>
         </p:spPr>
         <p:txBody>
-          <a:bodyPr wrap="square" lIns="107845" tIns="140198" rIns="107845" bIns="140198" rtlCol="0" anchor="ctr" anchorCtr="0">
+          <a:bodyPr wrap="square" lIns="82048" tIns="106663" rIns="82048" bIns="106663" rtlCol="0" anchor="ctr" anchorCtr="0">
             <a:spAutoFit/>
           </a:bodyPr>
           <a:lstStyle/>
           <a:p>
             <a:pPr algn="ctr"/>
             <a:r>
-              <a:rPr lang="en-US" sz="6600" dirty="0" smtClean="0">
+              <a:rPr lang="en-US" sz="5000" dirty="0">
                 <a:solidFill>
                   <a:schemeClr val="bg1"/>
                 </a:solidFill>
-                <a:effectLst/>
               </a:rPr>
               <a:t>Why It is Important?</a:t>
             </a:r>
-            <a:endParaRPr lang="en-US" sz="6600" dirty="0">
+            <a:endParaRPr lang="en-US" sz="5000" dirty="0">
               <a:solidFill>
                 <a:schemeClr val="bg1"/>
               </a:solidFill>
-              <a:effectLst/>
             </a:endParaRPr>
           </a:p>
         </p:txBody>
@@ -4253,8 +4275,8 @@
         </p:nvSpPr>
         <p:spPr>
           <a:xfrm>
-            <a:off x="955005" y="39604688"/>
-            <a:ext cx="30553309" cy="1298797"/>
+            <a:off x="795838" y="27232038"/>
+            <a:ext cx="25461091" cy="984851"/>
           </a:xfrm>
           <a:prstGeom prst="rect">
             <a:avLst/>
@@ -4264,35 +4286,32 @@
           </a:solidFill>
         </p:spPr>
         <p:txBody>
-          <a:bodyPr wrap="square" lIns="107845" tIns="140198" rIns="107845" bIns="140198" rtlCol="0" anchor="ctr" anchorCtr="0">
+          <a:bodyPr wrap="square" lIns="82048" tIns="106663" rIns="82048" bIns="106663" rtlCol="0" anchor="ctr" anchorCtr="0">
             <a:spAutoFit/>
           </a:bodyPr>
           <a:lstStyle/>
           <a:p>
             <a:pPr algn="ctr"/>
             <a:r>
-              <a:rPr lang="en-US" sz="6600" dirty="0" err="1" smtClean="0">
+              <a:rPr lang="en-US" sz="5000" dirty="0" err="1">
                 <a:solidFill>
                   <a:schemeClr val="bg1"/>
                 </a:solidFill>
-                <a:effectLst/>
               </a:rPr>
               <a:t>Approch</a:t>
             </a:r>
             <a:r>
-              <a:rPr lang="en-US" sz="6600" dirty="0" smtClean="0">
+              <a:rPr lang="en-US" sz="5000" dirty="0">
                 <a:solidFill>
                   <a:schemeClr val="bg1"/>
                 </a:solidFill>
-                <a:effectLst/>
               </a:rPr>
               <a:t> and Method</a:t>
             </a:r>
-            <a:endParaRPr lang="en-US" sz="6600" dirty="0">
+            <a:endParaRPr lang="en-US" sz="5000" dirty="0">
               <a:solidFill>
                 <a:schemeClr val="bg1"/>
               </a:solidFill>
-              <a:effectLst/>
             </a:endParaRPr>
           </a:p>
         </p:txBody>
@@ -4305,8 +4324,8 @@
         </p:nvSpPr>
         <p:spPr>
           <a:xfrm>
-            <a:off x="1380566" y="7678747"/>
-            <a:ext cx="9236634" cy="13634500"/>
+            <a:off x="1150472" y="5484819"/>
+            <a:ext cx="7697195" cy="9211210"/>
           </a:xfrm>
           <a:prstGeom prst="rect">
             <a:avLst/>
@@ -4314,7 +4333,7 @@
           <a:noFill/>
         </p:spPr>
         <p:txBody>
-          <a:bodyPr wrap="square" rtlCol="0">
+          <a:bodyPr wrap="square" lIns="69568" tIns="34784" rIns="69568" bIns="34784" rtlCol="0">
             <a:spAutoFit/>
           </a:bodyPr>
           <a:lstStyle/>
@@ -4325,14 +4344,14 @@
               </a:spcBef>
             </a:pPr>
             <a:r>
-              <a:rPr lang="en-US" sz="4400" dirty="0"/>
+              <a:rPr lang="en-US" sz="3300" dirty="0"/>
               <a:t>Yelp reviews have been a great source of reviews to customers, which help them choose the best businesses in their region. Currently, if a prospective entrepreneur wants to understand the market scenario, he has to read all the reviews in the region to get an idea about the demand in that region. This strategy is neither feasible nor accurate. However, we are looking to provide entrepreneurs trying to set up new business in a particular region with relevant suggestions for establishing a successful business. We have used topic modeling (Online LDA) on various yelp reviews to get users’ preferences and taste in a given geographic location. Our model is able to predict the best matched region for a prospective entrepreneur</a:t>
             </a:r>
             <a:r>
-              <a:rPr lang="en-US" sz="4400" dirty="0" smtClean="0"/>
+              <a:rPr lang="en-US" sz="3300" dirty="0"/>
               <a:t>.</a:t>
             </a:r>
-            <a:endParaRPr lang="en-US" sz="4400" dirty="0"/>
+            <a:endParaRPr lang="en-US" sz="3300" dirty="0"/>
           </a:p>
         </p:txBody>
       </p:sp>
@@ -4344,8 +4363,8 @@
         </p:nvSpPr>
         <p:spPr>
           <a:xfrm>
-            <a:off x="1380566" y="23816195"/>
-            <a:ext cx="9236634" cy="6863416"/>
+            <a:off x="1150472" y="16049421"/>
+            <a:ext cx="7697195" cy="4640730"/>
           </a:xfrm>
           <a:prstGeom prst="rect">
             <a:avLst/>
@@ -4353,21 +4372,33 @@
           <a:noFill/>
         </p:spPr>
         <p:txBody>
-          <a:bodyPr wrap="square" rtlCol="0">
+          <a:bodyPr wrap="square" lIns="69568" tIns="34784" rIns="69568" bIns="34784" rtlCol="0">
             <a:spAutoFit/>
           </a:bodyPr>
           <a:lstStyle/>
           <a:p>
             <a:pPr algn="just"/>
             <a:r>
-              <a:rPr lang="en-US" sz="4400" dirty="0"/>
-              <a:t>In this project, we have found the inherent features and deduced their ratings which will help businessmen understand the requirement /demand of a region and find regions where chances of their business being a success are maximum. Thus, we have provided a holistic analysis of the region to them before starting their business</a:t>
+              <a:rPr lang="en-US" sz="3300" dirty="0"/>
+              <a:t>In this project, we have found the inherent features and deduced their ratings which will help businessmen understand the </a:t>
             </a:r>
             <a:r>
-              <a:rPr lang="en-US" sz="4400" dirty="0" smtClean="0"/>
+              <a:rPr lang="en-US" sz="3300" dirty="0" smtClean="0"/>
+              <a:t>requirement/</a:t>
+            </a:r>
+            <a:r>
+              <a:rPr lang="en-US" sz="3300" dirty="0"/>
+              <a:t>demand of a region and find regions where chances of their business being a success are maximum. </a:t>
+            </a:r>
+            <a:r>
+              <a:rPr lang="en-US" sz="3300" dirty="0"/>
+              <a:t>Thus, we have provided a holistic analysis of the region to them before starting their business</a:t>
+            </a:r>
+            <a:r>
+              <a:rPr lang="en-US" sz="3300" dirty="0"/>
               <a:t>.</a:t>
             </a:r>
-            <a:endParaRPr lang="en-US" sz="4400" dirty="0"/>
+            <a:endParaRPr lang="en-US" sz="3300" dirty="0"/>
           </a:p>
         </p:txBody>
       </p:sp>
@@ -4387,8 +4418,8 @@
         </p:blipFill>
         <p:spPr>
           <a:xfrm>
-            <a:off x="24434800" y="1292698"/>
-            <a:ext cx="7455484" cy="4372232"/>
+            <a:off x="20362334" y="923356"/>
+            <a:ext cx="6212903" cy="3123023"/>
           </a:xfrm>
           <a:prstGeom prst="rect">
             <a:avLst/>
@@ -4403,8 +4434,8 @@
         </p:nvSpPr>
         <p:spPr>
           <a:xfrm>
-            <a:off x="955005" y="31456076"/>
-            <a:ext cx="10220995" cy="1298797"/>
+            <a:off x="795838" y="20708911"/>
+            <a:ext cx="8517496" cy="984851"/>
           </a:xfrm>
           <a:prstGeom prst="rect">
             <a:avLst/>
@@ -4414,26 +4445,24 @@
           </a:solidFill>
         </p:spPr>
         <p:txBody>
-          <a:bodyPr wrap="square" lIns="107845" tIns="140198" rIns="107845" bIns="140198" rtlCol="0" anchor="ctr" anchorCtr="0">
+          <a:bodyPr wrap="square" lIns="82048" tIns="106663" rIns="82048" bIns="106663" rtlCol="0" anchor="ctr" anchorCtr="0">
             <a:spAutoFit/>
           </a:bodyPr>
           <a:lstStyle/>
           <a:p>
             <a:pPr algn="ctr"/>
             <a:r>
-              <a:rPr lang="en-US" sz="6600" dirty="0" smtClean="0">
+              <a:rPr lang="en-US" sz="5000" dirty="0">
                 <a:solidFill>
                   <a:schemeClr val="bg1"/>
                 </a:solidFill>
-                <a:effectLst/>
               </a:rPr>
               <a:t>Data-set: Yelp</a:t>
             </a:r>
-            <a:endParaRPr lang="en-US" sz="6600" dirty="0">
+            <a:endParaRPr lang="en-US" sz="5000" dirty="0">
               <a:solidFill>
                 <a:schemeClr val="bg1"/>
               </a:solidFill>
-              <a:effectLst/>
             </a:endParaRPr>
           </a:p>
         </p:txBody>
@@ -4460,8 +4489,8 @@
         </p:blipFill>
         <p:spPr>
           <a:xfrm>
-            <a:off x="2424504" y="33136949"/>
-            <a:ext cx="7158056" cy="5619041"/>
+            <a:off x="2020420" y="21994634"/>
+            <a:ext cx="5965047" cy="4803044"/>
           </a:xfrm>
           <a:prstGeom prst="rect">
             <a:avLst/>
@@ -4490,8 +4519,8 @@
         </p:blipFill>
         <p:spPr>
           <a:xfrm>
-            <a:off x="12242799" y="8222684"/>
-            <a:ext cx="19597629" cy="12752504"/>
+            <a:off x="10202333" y="5484820"/>
+            <a:ext cx="16331358" cy="9211210"/>
           </a:xfrm>
           <a:prstGeom prst="rect">
             <a:avLst/>
@@ -4505,14 +4534,14 @@
           <p:nvPr>
             <p:extLst>
               <p:ext uri="{D42A27DB-BD31-4B8C-83A1-F6EECF244321}">
-                <p14:modId xmlns:p14="http://schemas.microsoft.com/office/powerpoint/2010/main" val="2107912237"/>
+                <p14:modId xmlns:p14="http://schemas.microsoft.com/office/powerpoint/2010/main" val="2288678932"/>
               </p:ext>
             </p:extLst>
           </p:nvPr>
         </p:nvGraphicFramePr>
         <p:xfrm>
-          <a:off x="955005" y="41394063"/>
-          <a:ext cx="30522960" cy="9004117"/>
+          <a:off x="795838" y="28671966"/>
+          <a:ext cx="25435800" cy="7312314"/>
         </p:xfrm>
         <a:graphic>
           <a:graphicData uri="http://schemas.openxmlformats.org/drawingml/2006/diagram">
@@ -4536,8 +4565,8 @@
         </p:blipFill>
         <p:spPr>
           <a:xfrm>
-            <a:off x="12254638" y="21313247"/>
-            <a:ext cx="19585789" cy="8244450"/>
+            <a:off x="10212199" y="14731322"/>
+            <a:ext cx="16321491" cy="6255442"/>
           </a:xfrm>
           <a:prstGeom prst="rect">
             <a:avLst/>
@@ -4552,8 +4581,8 @@
         </p:nvSpPr>
         <p:spPr>
           <a:xfrm>
-            <a:off x="12248719" y="31600063"/>
-            <a:ext cx="19647485" cy="7540525"/>
+            <a:off x="10207266" y="21994633"/>
+            <a:ext cx="16372904" cy="5148561"/>
           </a:xfrm>
           <a:prstGeom prst="rect">
             <a:avLst/>
@@ -4561,16 +4590,16 @@
           <a:noFill/>
         </p:spPr>
         <p:txBody>
-          <a:bodyPr wrap="square" rtlCol="0">
+          <a:bodyPr wrap="square" lIns="69568" tIns="34784" rIns="69568" bIns="34784" rtlCol="0">
             <a:spAutoFit/>
           </a:bodyPr>
           <a:lstStyle/>
           <a:p>
-            <a:pPr marL="514350" indent="-514350" algn="just">
+            <a:pPr marL="391317" indent="-391317" algn="just">
               <a:buAutoNum type="arabicPeriod"/>
             </a:pPr>
             <a:r>
-              <a:rPr lang="en-US" sz="4400" dirty="0">
+              <a:rPr lang="en-US" sz="3300" dirty="0">
                 <a:latin typeface="Calibri" pitchFamily="34" charset="0"/>
                 <a:cs typeface="Calibri" pitchFamily="34" charset="0"/>
               </a:rPr>
@@ -4578,20 +4607,20 @@
             </a:r>
           </a:p>
           <a:p>
-            <a:pPr marL="514350" indent="-514350" algn="just">
+            <a:pPr marL="391317" indent="-391317" algn="just">
               <a:buAutoNum type="arabicPeriod"/>
             </a:pPr>
-            <a:endParaRPr lang="en-US" sz="4400" dirty="0">
+            <a:endParaRPr lang="en-US" sz="3300" dirty="0">
               <a:latin typeface="Calibri" pitchFamily="34" charset="0"/>
               <a:cs typeface="Calibri" pitchFamily="34" charset="0"/>
             </a:endParaRPr>
           </a:p>
           <a:p>
-            <a:pPr marL="514350" indent="-514350" algn="just">
+            <a:pPr marL="391317" indent="-391317" algn="just">
               <a:buAutoNum type="arabicPeriod"/>
             </a:pPr>
             <a:r>
-              <a:rPr lang="en-US" sz="4400" dirty="0">
+              <a:rPr lang="en-US" sz="3300" dirty="0">
                 <a:latin typeface="Calibri" pitchFamily="34" charset="0"/>
                 <a:cs typeface="Calibri" pitchFamily="34" charset="0"/>
               </a:rPr>
@@ -4599,20 +4628,20 @@
             </a:r>
           </a:p>
           <a:p>
-            <a:pPr marL="514350" indent="-514350" algn="just">
+            <a:pPr marL="391317" indent="-391317" algn="just">
               <a:buAutoNum type="arabicPeriod"/>
             </a:pPr>
-            <a:endParaRPr lang="en-US" sz="4400" dirty="0">
+            <a:endParaRPr lang="en-US" sz="3300" dirty="0">
               <a:latin typeface="Calibri" pitchFamily="34" charset="0"/>
               <a:cs typeface="Calibri" pitchFamily="34" charset="0"/>
             </a:endParaRPr>
           </a:p>
           <a:p>
-            <a:pPr marL="514350" indent="-514350" algn="just">
+            <a:pPr marL="391317" indent="-391317" algn="just">
               <a:buAutoNum type="arabicPeriod"/>
             </a:pPr>
             <a:r>
-              <a:rPr lang="en-US" sz="4400" dirty="0">
+              <a:rPr lang="en-US" sz="3300" dirty="0">
                 <a:latin typeface="Calibri" pitchFamily="34" charset="0"/>
                 <a:cs typeface="Calibri" pitchFamily="34" charset="0"/>
               </a:rPr>
@@ -4620,29 +4649,25 @@
             </a:r>
           </a:p>
           <a:p>
-            <a:pPr marL="514350" indent="-514350" algn="just">
+            <a:pPr marL="391317" indent="-391317" algn="just">
               <a:buAutoNum type="arabicPeriod"/>
             </a:pPr>
-            <a:endParaRPr lang="en-US" sz="4400" dirty="0">
+            <a:endParaRPr lang="en-US" sz="3300" dirty="0">
               <a:latin typeface="Calibri" pitchFamily="34" charset="0"/>
               <a:cs typeface="Calibri" pitchFamily="34" charset="0"/>
             </a:endParaRPr>
           </a:p>
           <a:p>
-            <a:pPr marL="514350" indent="-514350" algn="just">
+            <a:pPr marL="391317" indent="-391317" algn="just">
               <a:buAutoNum type="arabicPeriod"/>
             </a:pPr>
             <a:r>
-              <a:rPr lang="en-US" sz="4400" dirty="0">
+              <a:rPr lang="en-US" sz="3300" dirty="0">
                 <a:latin typeface="Calibri" pitchFamily="34" charset="0"/>
                 <a:cs typeface="Calibri" pitchFamily="34" charset="0"/>
               </a:rPr>
               <a:t>Due to some inherent noise in the data, so not all words in the subtopic correspond to the inferred meaning.</a:t>
             </a:r>
-            <a:endParaRPr lang="en-US" sz="4400" dirty="0">
-              <a:latin typeface="Calibri" pitchFamily="34" charset="0"/>
-              <a:cs typeface="Calibri" pitchFamily="34" charset="0"/>
-            </a:endParaRPr>
           </a:p>
         </p:txBody>
       </p:sp>
@@ -4654,8 +4679,8 @@
         </p:nvSpPr>
         <p:spPr>
           <a:xfrm>
-            <a:off x="12254639" y="30110862"/>
-            <a:ext cx="19641565" cy="1298797"/>
+            <a:off x="10212200" y="20986764"/>
+            <a:ext cx="16367971" cy="984851"/>
           </a:xfrm>
           <a:prstGeom prst="rect">
             <a:avLst/>
@@ -4665,26 +4690,24 @@
           </a:solidFill>
         </p:spPr>
         <p:txBody>
-          <a:bodyPr wrap="square" lIns="107845" tIns="140198" rIns="107845" bIns="140198" rtlCol="0" anchor="ctr" anchorCtr="0">
+          <a:bodyPr wrap="square" lIns="82048" tIns="106663" rIns="82048" bIns="106663" rtlCol="0" anchor="ctr" anchorCtr="0">
             <a:spAutoFit/>
           </a:bodyPr>
           <a:lstStyle/>
           <a:p>
             <a:pPr algn="ctr"/>
             <a:r>
-              <a:rPr lang="en-US" sz="6600" dirty="0" smtClean="0">
+              <a:rPr lang="en-US" sz="5000" dirty="0">
                 <a:solidFill>
                   <a:schemeClr val="bg1"/>
                 </a:solidFill>
-                <a:effectLst/>
               </a:rPr>
               <a:t>Results</a:t>
             </a:r>
-            <a:endParaRPr lang="en-US" sz="6600" dirty="0">
+            <a:endParaRPr lang="en-US" sz="5000" dirty="0">
               <a:solidFill>
                 <a:schemeClr val="bg1"/>
               </a:solidFill>
-              <a:effectLst/>
             </a:endParaRPr>
           </a:p>
         </p:txBody>

--- a/Poster/final_poster.pptx
+++ b/Poster/final_poster.pptx
@@ -4697,12 +4697,12 @@
           <a:p>
             <a:pPr algn="ctr"/>
             <a:r>
-              <a:rPr lang="en-US" sz="5000" dirty="0">
+              <a:rPr lang="en-US" sz="5000" dirty="0" smtClean="0">
                 <a:solidFill>
                   <a:schemeClr val="bg1"/>
                 </a:solidFill>
               </a:rPr>
-              <a:t>Results</a:t>
+              <a:t>Evaluation</a:t>
             </a:r>
             <a:endParaRPr lang="en-US" sz="5000" dirty="0">
               <a:solidFill>

--- a/Poster/final_poster.pptx
+++ b/Poster/final_poster.pptx
@@ -4293,12 +4293,12 @@
           <a:p>
             <a:pPr algn="ctr"/>
             <a:r>
-              <a:rPr lang="en-US" sz="5000" dirty="0" err="1">
+              <a:rPr lang="en-US" sz="5000" smtClean="0">
                 <a:solidFill>
                   <a:schemeClr val="bg1"/>
                 </a:solidFill>
               </a:rPr>
-              <a:t>Approch</a:t>
+              <a:t>Approach </a:t>
             </a:r>
             <a:r>
               <a:rPr lang="en-US" sz="5000" dirty="0">
@@ -4306,7 +4306,7 @@
                   <a:schemeClr val="bg1"/>
                 </a:solidFill>
               </a:rPr>
-              <a:t> and Method</a:t>
+              <a:t>and Method</a:t>
             </a:r>
             <a:endParaRPr lang="en-US" sz="5000" dirty="0">
               <a:solidFill>
